--- a/lec_notes/figures/figures.pptx
+++ b/lec_notes/figures/figures.pptx
@@ -10,6 +10,7 @@
     <p:sldId id="258" r:id="rId4"/>
     <p:sldId id="259" r:id="rId5"/>
     <p:sldId id="260" r:id="rId6"/>
+    <p:sldId id="261" r:id="rId7"/>
   </p:sldIdLst>
   <p:sldSz cx="12192000" cy="6858000"/>
   <p:notesSz cx="6858000" cy="9144000"/>
@@ -452,7 +453,7 @@
           <a:p>
             <a:fld id="{0D280508-E0AD-1049-8860-6AFFDEA0EF4B}" type="datetimeFigureOut">
               <a:rPr lang="en-US" smtClean="0"/>
-              <a:t>12/8/19</a:t>
+              <a:t>12/15/19</a:t>
             </a:fld>
             <a:endParaRPr lang="en-US"/>
           </a:p>
@@ -650,7 +651,7 @@
           <a:p>
             <a:fld id="{0D280508-E0AD-1049-8860-6AFFDEA0EF4B}" type="datetimeFigureOut">
               <a:rPr lang="en-US" smtClean="0"/>
-              <a:t>12/8/19</a:t>
+              <a:t>12/15/19</a:t>
             </a:fld>
             <a:endParaRPr lang="en-US"/>
           </a:p>
@@ -858,7 +859,7 @@
           <a:p>
             <a:fld id="{0D280508-E0AD-1049-8860-6AFFDEA0EF4B}" type="datetimeFigureOut">
               <a:rPr lang="en-US" smtClean="0"/>
-              <a:t>12/8/19</a:t>
+              <a:t>12/15/19</a:t>
             </a:fld>
             <a:endParaRPr lang="en-US"/>
           </a:p>
@@ -1056,7 +1057,7 @@
           <a:p>
             <a:fld id="{0D280508-E0AD-1049-8860-6AFFDEA0EF4B}" type="datetimeFigureOut">
               <a:rPr lang="en-US" smtClean="0"/>
-              <a:t>12/8/19</a:t>
+              <a:t>12/15/19</a:t>
             </a:fld>
             <a:endParaRPr lang="en-US"/>
           </a:p>
@@ -1331,7 +1332,7 @@
           <a:p>
             <a:fld id="{0D280508-E0AD-1049-8860-6AFFDEA0EF4B}" type="datetimeFigureOut">
               <a:rPr lang="en-US" smtClean="0"/>
-              <a:t>12/8/19</a:t>
+              <a:t>12/15/19</a:t>
             </a:fld>
             <a:endParaRPr lang="en-US"/>
           </a:p>
@@ -1596,7 +1597,7 @@
           <a:p>
             <a:fld id="{0D280508-E0AD-1049-8860-6AFFDEA0EF4B}" type="datetimeFigureOut">
               <a:rPr lang="en-US" smtClean="0"/>
-              <a:t>12/8/19</a:t>
+              <a:t>12/15/19</a:t>
             </a:fld>
             <a:endParaRPr lang="en-US"/>
           </a:p>
@@ -2008,7 +2009,7 @@
           <a:p>
             <a:fld id="{0D280508-E0AD-1049-8860-6AFFDEA0EF4B}" type="datetimeFigureOut">
               <a:rPr lang="en-US" smtClean="0"/>
-              <a:t>12/8/19</a:t>
+              <a:t>12/15/19</a:t>
             </a:fld>
             <a:endParaRPr lang="en-US"/>
           </a:p>
@@ -2149,7 +2150,7 @@
           <a:p>
             <a:fld id="{0D280508-E0AD-1049-8860-6AFFDEA0EF4B}" type="datetimeFigureOut">
               <a:rPr lang="en-US" smtClean="0"/>
-              <a:t>12/8/19</a:t>
+              <a:t>12/15/19</a:t>
             </a:fld>
             <a:endParaRPr lang="en-US"/>
           </a:p>
@@ -2262,7 +2263,7 @@
           <a:p>
             <a:fld id="{0D280508-E0AD-1049-8860-6AFFDEA0EF4B}" type="datetimeFigureOut">
               <a:rPr lang="en-US" smtClean="0"/>
-              <a:t>12/8/19</a:t>
+              <a:t>12/15/19</a:t>
             </a:fld>
             <a:endParaRPr lang="en-US"/>
           </a:p>
@@ -2573,7 +2574,7 @@
           <a:p>
             <a:fld id="{0D280508-E0AD-1049-8860-6AFFDEA0EF4B}" type="datetimeFigureOut">
               <a:rPr lang="en-US" smtClean="0"/>
-              <a:t>12/8/19</a:t>
+              <a:t>12/15/19</a:t>
             </a:fld>
             <a:endParaRPr lang="en-US"/>
           </a:p>
@@ -2861,7 +2862,7 @@
           <a:p>
             <a:fld id="{0D280508-E0AD-1049-8860-6AFFDEA0EF4B}" type="datetimeFigureOut">
               <a:rPr lang="en-US" smtClean="0"/>
-              <a:t>12/8/19</a:t>
+              <a:t>12/15/19</a:t>
             </a:fld>
             <a:endParaRPr lang="en-US"/>
           </a:p>
@@ -3102,7 +3103,7 @@
           <a:p>
             <a:fld id="{0D280508-E0AD-1049-8860-6AFFDEA0EF4B}" type="datetimeFigureOut">
               <a:rPr lang="en-US" smtClean="0"/>
-              <a:t>12/8/19</a:t>
+              <a:t>12/15/19</a:t>
             </a:fld>
             <a:endParaRPr lang="en-US"/>
           </a:p>
@@ -11192,8 +11193,8 @@
           </a:fontRef>
         </p:style>
       </p:cxnSp>
-      <mc:AlternateContent xmlns:mc="http://schemas.openxmlformats.org/markup-compatibility/2006">
-        <mc:Choice xmlns:a14="http://schemas.microsoft.com/office/drawing/2010/main" Requires="a14">
+      <mc:AlternateContent xmlns:mc="http://schemas.openxmlformats.org/markup-compatibility/2006" xmlns:a14="http://schemas.microsoft.com/office/drawing/2010/main">
+        <mc:Choice Requires="a14">
           <p:sp>
             <p:nvSpPr>
               <p:cNvPr id="31" name="TextBox 30">
@@ -11224,6 +11225,7 @@
               </a:bodyPr>
               <a:lstStyle/>
               <a:p>
+                <a:pPr/>
                 <a14:m>
                   <m:oMathPara xmlns:m="http://schemas.openxmlformats.org/officeDocument/2006/math">
                     <m:oMathParaPr>
@@ -11263,7 +11265,7 @@
             </p:txBody>
           </p:sp>
         </mc:Choice>
-        <mc:Fallback>
+        <mc:Fallback xmlns="">
           <p:sp>
             <p:nvSpPr>
               <p:cNvPr id="31" name="TextBox 30">
@@ -11350,8 +11352,8 @@
           </a:fontRef>
         </p:style>
       </p:cxnSp>
-      <mc:AlternateContent xmlns:mc="http://schemas.openxmlformats.org/markup-compatibility/2006">
-        <mc:Choice xmlns:a14="http://schemas.microsoft.com/office/drawing/2010/main" Requires="a14">
+      <mc:AlternateContent xmlns:mc="http://schemas.openxmlformats.org/markup-compatibility/2006" xmlns:a14="http://schemas.microsoft.com/office/drawing/2010/main">
+        <mc:Choice Requires="a14">
           <p:sp>
             <p:nvSpPr>
               <p:cNvPr id="36" name="TextBox 35">
@@ -11382,6 +11384,7 @@
               </a:bodyPr>
               <a:lstStyle/>
               <a:p>
+                <a:pPr/>
                 <a14:m>
                   <m:oMathPara xmlns:m="http://schemas.openxmlformats.org/officeDocument/2006/math">
                     <m:oMathParaPr>
@@ -11421,7 +11424,7 @@
             </p:txBody>
           </p:sp>
         </mc:Choice>
-        <mc:Fallback>
+        <mc:Fallback xmlns="">
           <p:sp>
             <p:nvSpPr>
               <p:cNvPr id="36" name="TextBox 35">
@@ -11508,8 +11511,8 @@
           </a:fontRef>
         </p:style>
       </p:cxnSp>
-      <mc:AlternateContent xmlns:mc="http://schemas.openxmlformats.org/markup-compatibility/2006">
-        <mc:Choice xmlns:a14="http://schemas.microsoft.com/office/drawing/2010/main" Requires="a14">
+      <mc:AlternateContent xmlns:mc="http://schemas.openxmlformats.org/markup-compatibility/2006" xmlns:a14="http://schemas.microsoft.com/office/drawing/2010/main">
+        <mc:Choice Requires="a14">
           <p:sp>
             <p:nvSpPr>
               <p:cNvPr id="39" name="TextBox 38">
@@ -11540,6 +11543,7 @@
               </a:bodyPr>
               <a:lstStyle/>
               <a:p>
+                <a:pPr/>
                 <a14:m>
                   <m:oMathPara xmlns:m="http://schemas.openxmlformats.org/officeDocument/2006/math">
                     <m:oMathParaPr>
@@ -11579,7 +11583,7 @@
             </p:txBody>
           </p:sp>
         </mc:Choice>
-        <mc:Fallback>
+        <mc:Fallback xmlns="">
           <p:sp>
             <p:nvSpPr>
               <p:cNvPr id="39" name="TextBox 38">
@@ -11726,8 +11730,8 @@
           </a:p>
         </p:txBody>
       </p:sp>
-      <mc:AlternateContent xmlns:mc="http://schemas.openxmlformats.org/markup-compatibility/2006">
-        <mc:Choice xmlns:a14="http://schemas.microsoft.com/office/drawing/2010/main" Requires="a14">
+      <mc:AlternateContent xmlns:mc="http://schemas.openxmlformats.org/markup-compatibility/2006" xmlns:a14="http://schemas.microsoft.com/office/drawing/2010/main">
+        <mc:Choice Requires="a14">
           <p:sp>
             <p:nvSpPr>
               <p:cNvPr id="45" name="TextBox 44">
@@ -11758,6 +11762,7 @@
               </a:bodyPr>
               <a:lstStyle/>
               <a:p>
+                <a:pPr/>
                 <a14:m>
                   <m:oMathPara xmlns:m="http://schemas.openxmlformats.org/officeDocument/2006/math">
                     <m:oMathParaPr>
@@ -11797,7 +11802,7 @@
             </p:txBody>
           </p:sp>
         </mc:Choice>
-        <mc:Fallback>
+        <mc:Fallback xmlns="">
           <p:sp>
             <p:nvSpPr>
               <p:cNvPr id="45" name="TextBox 44">
@@ -11842,8 +11847,8 @@
           </p:sp>
         </mc:Fallback>
       </mc:AlternateContent>
-      <mc:AlternateContent xmlns:mc="http://schemas.openxmlformats.org/markup-compatibility/2006">
-        <mc:Choice xmlns:a14="http://schemas.microsoft.com/office/drawing/2010/main" Requires="a14">
+      <mc:AlternateContent xmlns:mc="http://schemas.openxmlformats.org/markup-compatibility/2006" xmlns:a14="http://schemas.microsoft.com/office/drawing/2010/main">
+        <mc:Choice Requires="a14">
           <p:sp>
             <p:nvSpPr>
               <p:cNvPr id="48" name="TextBox 47">
@@ -11874,6 +11879,7 @@
               </a:bodyPr>
               <a:lstStyle/>
               <a:p>
+                <a:pPr/>
                 <a14:m>
                   <m:oMathPara xmlns:m="http://schemas.openxmlformats.org/officeDocument/2006/math">
                     <m:oMathParaPr>
@@ -11925,7 +11931,7 @@
             </p:txBody>
           </p:sp>
         </mc:Choice>
-        <mc:Fallback>
+        <mc:Fallback xmlns="">
           <p:sp>
             <p:nvSpPr>
               <p:cNvPr id="48" name="TextBox 47">
@@ -11970,8 +11976,8 @@
           </p:sp>
         </mc:Fallback>
       </mc:AlternateContent>
-      <mc:AlternateContent xmlns:mc="http://schemas.openxmlformats.org/markup-compatibility/2006">
-        <mc:Choice xmlns:a14="http://schemas.microsoft.com/office/drawing/2010/main" Requires="a14">
+      <mc:AlternateContent xmlns:mc="http://schemas.openxmlformats.org/markup-compatibility/2006" xmlns:a14="http://schemas.microsoft.com/office/drawing/2010/main">
+        <mc:Choice Requires="a14">
           <p:sp>
             <p:nvSpPr>
               <p:cNvPr id="49" name="TextBox 48">
@@ -12002,6 +12008,7 @@
               </a:bodyPr>
               <a:lstStyle/>
               <a:p>
+                <a:pPr/>
                 <a14:m>
                   <m:oMathPara xmlns:m="http://schemas.openxmlformats.org/officeDocument/2006/math">
                     <m:oMathParaPr>
@@ -12053,7 +12060,7 @@
             </p:txBody>
           </p:sp>
         </mc:Choice>
-        <mc:Fallback>
+        <mc:Fallback xmlns="">
           <p:sp>
             <p:nvSpPr>
               <p:cNvPr id="49" name="TextBox 48">
@@ -12516,8 +12523,8 @@
           </a:p>
         </p:txBody>
       </p:sp>
-      <mc:AlternateContent xmlns:mc="http://schemas.openxmlformats.org/markup-compatibility/2006">
-        <mc:Choice xmlns:a14="http://schemas.microsoft.com/office/drawing/2010/main" Requires="a14">
+      <mc:AlternateContent xmlns:mc="http://schemas.openxmlformats.org/markup-compatibility/2006" xmlns:a14="http://schemas.microsoft.com/office/drawing/2010/main">
+        <mc:Choice Requires="a14">
           <p:sp>
             <p:nvSpPr>
               <p:cNvPr id="31" name="TextBox 30">
@@ -12548,6 +12555,7 @@
               </a:bodyPr>
               <a:lstStyle/>
               <a:p>
+                <a:pPr/>
                 <a14:m>
                   <m:oMathPara xmlns:m="http://schemas.openxmlformats.org/officeDocument/2006/math">
                     <m:oMathParaPr>
@@ -12587,7 +12595,7 @@
             </p:txBody>
           </p:sp>
         </mc:Choice>
-        <mc:Fallback>
+        <mc:Fallback xmlns="">
           <p:sp>
             <p:nvSpPr>
               <p:cNvPr id="31" name="TextBox 30">
@@ -12674,8 +12682,8 @@
           </a:fontRef>
         </p:style>
       </p:cxnSp>
-      <mc:AlternateContent xmlns:mc="http://schemas.openxmlformats.org/markup-compatibility/2006">
-        <mc:Choice xmlns:a14="http://schemas.microsoft.com/office/drawing/2010/main" Requires="a14">
+      <mc:AlternateContent xmlns:mc="http://schemas.openxmlformats.org/markup-compatibility/2006" xmlns:a14="http://schemas.microsoft.com/office/drawing/2010/main">
+        <mc:Choice Requires="a14">
           <p:sp>
             <p:nvSpPr>
               <p:cNvPr id="36" name="TextBox 35">
@@ -12706,6 +12714,7 @@
               </a:bodyPr>
               <a:lstStyle/>
               <a:p>
+                <a:pPr/>
                 <a14:m>
                   <m:oMathPara xmlns:m="http://schemas.openxmlformats.org/officeDocument/2006/math">
                     <m:oMathParaPr>
@@ -12745,7 +12754,7 @@
             </p:txBody>
           </p:sp>
         </mc:Choice>
-        <mc:Fallback>
+        <mc:Fallback xmlns="">
           <p:sp>
             <p:nvSpPr>
               <p:cNvPr id="36" name="TextBox 35">
@@ -12790,8 +12799,8 @@
           </p:sp>
         </mc:Fallback>
       </mc:AlternateContent>
-      <mc:AlternateContent xmlns:mc="http://schemas.openxmlformats.org/markup-compatibility/2006">
-        <mc:Choice xmlns:a14="http://schemas.microsoft.com/office/drawing/2010/main" Requires="a14">
+      <mc:AlternateContent xmlns:mc="http://schemas.openxmlformats.org/markup-compatibility/2006" xmlns:a14="http://schemas.microsoft.com/office/drawing/2010/main">
+        <mc:Choice Requires="a14">
           <p:sp>
             <p:nvSpPr>
               <p:cNvPr id="39" name="TextBox 38">
@@ -12822,6 +12831,7 @@
               </a:bodyPr>
               <a:lstStyle/>
               <a:p>
+                <a:pPr/>
                 <a14:m>
                   <m:oMathPara xmlns:m="http://schemas.openxmlformats.org/officeDocument/2006/math">
                     <m:oMathParaPr>
@@ -12861,7 +12871,7 @@
             </p:txBody>
           </p:sp>
         </mc:Choice>
-        <mc:Fallback>
+        <mc:Fallback xmlns="">
           <p:sp>
             <p:nvSpPr>
               <p:cNvPr id="39" name="TextBox 38">
@@ -13008,8 +13018,8 @@
           </a:p>
         </p:txBody>
       </p:sp>
-      <mc:AlternateContent xmlns:mc="http://schemas.openxmlformats.org/markup-compatibility/2006">
-        <mc:Choice xmlns:a14="http://schemas.microsoft.com/office/drawing/2010/main" Requires="a14">
+      <mc:AlternateContent xmlns:mc="http://schemas.openxmlformats.org/markup-compatibility/2006" xmlns:a14="http://schemas.microsoft.com/office/drawing/2010/main">
+        <mc:Choice Requires="a14">
           <p:sp>
             <p:nvSpPr>
               <p:cNvPr id="45" name="TextBox 44">
@@ -13040,6 +13050,7 @@
               </a:bodyPr>
               <a:lstStyle/>
               <a:p>
+                <a:pPr/>
                 <a14:m>
                   <m:oMathPara xmlns:m="http://schemas.openxmlformats.org/officeDocument/2006/math">
                     <m:oMathParaPr>
@@ -13079,7 +13090,7 @@
             </p:txBody>
           </p:sp>
         </mc:Choice>
-        <mc:Fallback>
+        <mc:Fallback xmlns="">
           <p:sp>
             <p:nvSpPr>
               <p:cNvPr id="45" name="TextBox 44">
@@ -13124,8 +13135,8 @@
           </p:sp>
         </mc:Fallback>
       </mc:AlternateContent>
-      <mc:AlternateContent xmlns:mc="http://schemas.openxmlformats.org/markup-compatibility/2006">
-        <mc:Choice xmlns:a14="http://schemas.microsoft.com/office/drawing/2010/main" Requires="a14">
+      <mc:AlternateContent xmlns:mc="http://schemas.openxmlformats.org/markup-compatibility/2006" xmlns:a14="http://schemas.microsoft.com/office/drawing/2010/main">
+        <mc:Choice Requires="a14">
           <p:sp>
             <p:nvSpPr>
               <p:cNvPr id="48" name="TextBox 47">
@@ -13156,6 +13167,7 @@
               </a:bodyPr>
               <a:lstStyle/>
               <a:p>
+                <a:pPr/>
                 <a14:m>
                   <m:oMathPara xmlns:m="http://schemas.openxmlformats.org/officeDocument/2006/math">
                     <m:oMathParaPr>
@@ -13176,7 +13188,7 @@
             </p:txBody>
           </p:sp>
         </mc:Choice>
-        <mc:Fallback>
+        <mc:Fallback xmlns="">
           <p:sp>
             <p:nvSpPr>
               <p:cNvPr id="48" name="TextBox 47">
@@ -13263,8 +13275,8 @@
           </a:fontRef>
         </p:style>
       </p:cxnSp>
-      <mc:AlternateContent xmlns:mc="http://schemas.openxmlformats.org/markup-compatibility/2006">
-        <mc:Choice xmlns:a14="http://schemas.microsoft.com/office/drawing/2010/main" Requires="a14">
+      <mc:AlternateContent xmlns:mc="http://schemas.openxmlformats.org/markup-compatibility/2006" xmlns:a14="http://schemas.microsoft.com/office/drawing/2010/main">
+        <mc:Choice Requires="a14">
           <p:sp>
             <p:nvSpPr>
               <p:cNvPr id="32" name="TextBox 31">
@@ -13295,6 +13307,7 @@
               </a:bodyPr>
               <a:lstStyle/>
               <a:p>
+                <a:pPr/>
                 <a14:m>
                   <m:oMathPara xmlns:m="http://schemas.openxmlformats.org/officeDocument/2006/math">
                     <m:oMathParaPr>
@@ -13315,7 +13328,7 @@
             </p:txBody>
           </p:sp>
         </mc:Choice>
-        <mc:Fallback>
+        <mc:Fallback xmlns="">
           <p:sp>
             <p:nvSpPr>
               <p:cNvPr id="32" name="TextBox 31">
@@ -13672,8 +13685,8 @@
           </a:fontRef>
         </p:style>
       </p:cxnSp>
-      <mc:AlternateContent xmlns:mc="http://schemas.openxmlformats.org/markup-compatibility/2006">
-        <mc:Choice xmlns:p14="http://schemas.microsoft.com/office/powerpoint/2010/main" Requires="p14">
+      <mc:AlternateContent xmlns:mc="http://schemas.openxmlformats.org/markup-compatibility/2006" xmlns:p14="http://schemas.microsoft.com/office/powerpoint/2010/main">
+        <mc:Choice Requires="p14">
           <p:contentPart p14:bwMode="auto" r:id="rId8">
             <p14:nvContentPartPr>
               <p14:cNvPr id="58" name="Ink 57">
@@ -13692,7 +13705,7 @@
             </p14:xfrm>
           </p:contentPart>
         </mc:Choice>
-        <mc:Fallback>
+        <mc:Fallback xmlns="">
           <p:pic>
             <p:nvPicPr>
               <p:cNvPr id="58" name="Ink 57">
@@ -13723,8 +13736,8 @@
           </p:pic>
         </mc:Fallback>
       </mc:AlternateContent>
-      <mc:AlternateContent xmlns:mc="http://schemas.openxmlformats.org/markup-compatibility/2006">
-        <mc:Choice xmlns:p14="http://schemas.microsoft.com/office/powerpoint/2010/main" Requires="p14">
+      <mc:AlternateContent xmlns:mc="http://schemas.openxmlformats.org/markup-compatibility/2006" xmlns:p14="http://schemas.microsoft.com/office/powerpoint/2010/main">
+        <mc:Choice Requires="p14">
           <p:contentPart p14:bwMode="auto" r:id="rId10">
             <p14:nvContentPartPr>
               <p14:cNvPr id="59" name="Ink 58">
@@ -13743,7 +13756,7 @@
             </p14:xfrm>
           </p:contentPart>
         </mc:Choice>
-        <mc:Fallback>
+        <mc:Fallback xmlns="">
           <p:pic>
             <p:nvPicPr>
               <p:cNvPr id="59" name="Ink 58">
@@ -13774,8 +13787,8 @@
           </p:pic>
         </mc:Fallback>
       </mc:AlternateContent>
-      <mc:AlternateContent xmlns:mc="http://schemas.openxmlformats.org/markup-compatibility/2006">
-        <mc:Choice xmlns:p14="http://schemas.microsoft.com/office/powerpoint/2010/main" Requires="p14">
+      <mc:AlternateContent xmlns:mc="http://schemas.openxmlformats.org/markup-compatibility/2006" xmlns:p14="http://schemas.microsoft.com/office/powerpoint/2010/main">
+        <mc:Choice Requires="p14">
           <p:contentPart p14:bwMode="auto" r:id="rId12">
             <p14:nvContentPartPr>
               <p14:cNvPr id="60" name="Ink 59">
@@ -13794,7 +13807,7 @@
             </p14:xfrm>
           </p:contentPart>
         </mc:Choice>
-        <mc:Fallback>
+        <mc:Fallback xmlns="">
           <p:pic>
             <p:nvPicPr>
               <p:cNvPr id="60" name="Ink 59">
@@ -13825,8 +13838,8 @@
           </p:pic>
         </mc:Fallback>
       </mc:AlternateContent>
-      <mc:AlternateContent xmlns:mc="http://schemas.openxmlformats.org/markup-compatibility/2006">
-        <mc:Choice xmlns:p14="http://schemas.microsoft.com/office/powerpoint/2010/main" Requires="p14">
+      <mc:AlternateContent xmlns:mc="http://schemas.openxmlformats.org/markup-compatibility/2006" xmlns:p14="http://schemas.microsoft.com/office/powerpoint/2010/main">
+        <mc:Choice Requires="p14">
           <p:contentPart p14:bwMode="auto" r:id="rId14">
             <p14:nvContentPartPr>
               <p14:cNvPr id="61" name="Ink 60">
@@ -13845,7 +13858,7 @@
             </p14:xfrm>
           </p:contentPart>
         </mc:Choice>
-        <mc:Fallback>
+        <mc:Fallback xmlns="">
           <p:pic>
             <p:nvPicPr>
               <p:cNvPr id="61" name="Ink 60">
@@ -13876,8 +13889,8 @@
           </p:pic>
         </mc:Fallback>
       </mc:AlternateContent>
-      <mc:AlternateContent xmlns:mc="http://schemas.openxmlformats.org/markup-compatibility/2006">
-        <mc:Choice xmlns:p14="http://schemas.microsoft.com/office/powerpoint/2010/main" Requires="p14">
+      <mc:AlternateContent xmlns:mc="http://schemas.openxmlformats.org/markup-compatibility/2006" xmlns:p14="http://schemas.microsoft.com/office/powerpoint/2010/main">
+        <mc:Choice Requires="p14">
           <p:contentPart p14:bwMode="auto" r:id="rId16">
             <p14:nvContentPartPr>
               <p14:cNvPr id="62" name="Ink 61">
@@ -13896,7 +13909,7 @@
             </p14:xfrm>
           </p:contentPart>
         </mc:Choice>
-        <mc:Fallback>
+        <mc:Fallback xmlns="">
           <p:pic>
             <p:nvPicPr>
               <p:cNvPr id="62" name="Ink 61">
@@ -13927,8 +13940,8 @@
           </p:pic>
         </mc:Fallback>
       </mc:AlternateContent>
-      <mc:AlternateContent xmlns:mc="http://schemas.openxmlformats.org/markup-compatibility/2006">
-        <mc:Choice xmlns:a14="http://schemas.microsoft.com/office/drawing/2010/main" Requires="a14">
+      <mc:AlternateContent xmlns:mc="http://schemas.openxmlformats.org/markup-compatibility/2006" xmlns:a14="http://schemas.microsoft.com/office/drawing/2010/main">
+        <mc:Choice Requires="a14">
           <p:sp>
             <p:nvSpPr>
               <p:cNvPr id="64" name="TextBox 63">
@@ -13975,7 +13988,7 @@
             </p:txBody>
           </p:sp>
         </mc:Choice>
-        <mc:Fallback>
+        <mc:Fallback xmlns="">
           <p:sp>
             <p:nvSpPr>
               <p:cNvPr id="64" name="TextBox 63">
@@ -14020,8 +14033,8 @@
           </p:sp>
         </mc:Fallback>
       </mc:AlternateContent>
-      <mc:AlternateContent xmlns:mc="http://schemas.openxmlformats.org/markup-compatibility/2006">
-        <mc:Choice xmlns:a14="http://schemas.microsoft.com/office/drawing/2010/main" Requires="a14">
+      <mc:AlternateContent xmlns:mc="http://schemas.openxmlformats.org/markup-compatibility/2006" xmlns:a14="http://schemas.microsoft.com/office/drawing/2010/main">
+        <mc:Choice Requires="a14">
           <p:sp>
             <p:nvSpPr>
               <p:cNvPr id="67" name="TextBox 66">
@@ -14087,7 +14100,7 @@
             </p:txBody>
           </p:sp>
         </mc:Choice>
-        <mc:Fallback>
+        <mc:Fallback xmlns="">
           <p:sp>
             <p:nvSpPr>
               <p:cNvPr id="67" name="TextBox 66">
@@ -14132,8 +14145,8 @@
           </p:sp>
         </mc:Fallback>
       </mc:AlternateContent>
-      <mc:AlternateContent xmlns:mc="http://schemas.openxmlformats.org/markup-compatibility/2006">
-        <mc:Choice xmlns:a14="http://schemas.microsoft.com/office/drawing/2010/main" Requires="a14">
+      <mc:AlternateContent xmlns:mc="http://schemas.openxmlformats.org/markup-compatibility/2006" xmlns:a14="http://schemas.microsoft.com/office/drawing/2010/main">
+        <mc:Choice Requires="a14">
           <p:sp>
             <p:nvSpPr>
               <p:cNvPr id="68" name="TextBox 67">
@@ -14180,7 +14193,7 @@
             </p:txBody>
           </p:sp>
         </mc:Choice>
-        <mc:Fallback>
+        <mc:Fallback xmlns="">
           <p:sp>
             <p:nvSpPr>
               <p:cNvPr id="68" name="TextBox 67">
@@ -14225,8 +14238,8 @@
           </p:sp>
         </mc:Fallback>
       </mc:AlternateContent>
-      <mc:AlternateContent xmlns:mc="http://schemas.openxmlformats.org/markup-compatibility/2006">
-        <mc:Choice xmlns:a14="http://schemas.microsoft.com/office/drawing/2010/main" Requires="a14">
+      <mc:AlternateContent xmlns:mc="http://schemas.openxmlformats.org/markup-compatibility/2006" xmlns:a14="http://schemas.microsoft.com/office/drawing/2010/main">
+        <mc:Choice Requires="a14">
           <p:sp>
             <p:nvSpPr>
               <p:cNvPr id="69" name="TextBox 68">
@@ -14273,7 +14286,7 @@
             </p:txBody>
           </p:sp>
         </mc:Choice>
-        <mc:Fallback>
+        <mc:Fallback xmlns="">
           <p:sp>
             <p:nvSpPr>
               <p:cNvPr id="69" name="TextBox 68">
@@ -14318,8 +14331,8 @@
           </p:sp>
         </mc:Fallback>
       </mc:AlternateContent>
-      <mc:AlternateContent xmlns:mc="http://schemas.openxmlformats.org/markup-compatibility/2006">
-        <mc:Choice xmlns:a14="http://schemas.microsoft.com/office/drawing/2010/main" Requires="a14">
+      <mc:AlternateContent xmlns:mc="http://schemas.openxmlformats.org/markup-compatibility/2006" xmlns:a14="http://schemas.microsoft.com/office/drawing/2010/main">
+        <mc:Choice Requires="a14">
           <p:sp>
             <p:nvSpPr>
               <p:cNvPr id="70" name="TextBox 69">
@@ -14385,7 +14398,7 @@
             </p:txBody>
           </p:sp>
         </mc:Choice>
-        <mc:Fallback>
+        <mc:Fallback xmlns="">
           <p:sp>
             <p:nvSpPr>
               <p:cNvPr id="70" name="TextBox 69">
@@ -14430,8 +14443,8 @@
           </p:sp>
         </mc:Fallback>
       </mc:AlternateContent>
-      <mc:AlternateContent xmlns:mc="http://schemas.openxmlformats.org/markup-compatibility/2006">
-        <mc:Choice xmlns:a14="http://schemas.microsoft.com/office/drawing/2010/main" Requires="a14">
+      <mc:AlternateContent xmlns:mc="http://schemas.openxmlformats.org/markup-compatibility/2006" xmlns:a14="http://schemas.microsoft.com/office/drawing/2010/main">
+        <mc:Choice Requires="a14">
           <p:sp>
             <p:nvSpPr>
               <p:cNvPr id="71" name="Rectangle 70">
@@ -14459,6 +14472,7 @@
               </a:bodyPr>
               <a:lstStyle/>
               <a:p>
+                <a:pPr/>
                 <a14:m>
                   <m:oMathPara xmlns:m="http://schemas.openxmlformats.org/officeDocument/2006/math">
                     <m:oMathParaPr>
@@ -14479,7 +14493,7 @@
             </p:txBody>
           </p:sp>
         </mc:Choice>
-        <mc:Fallback>
+        <mc:Fallback xmlns="">
           <p:sp>
             <p:nvSpPr>
               <p:cNvPr id="71" name="Rectangle 70">
@@ -14524,8 +14538,8 @@
           </p:sp>
         </mc:Fallback>
       </mc:AlternateContent>
-      <mc:AlternateContent xmlns:mc="http://schemas.openxmlformats.org/markup-compatibility/2006">
-        <mc:Choice xmlns:a14="http://schemas.microsoft.com/office/drawing/2010/main" Requires="a14">
+      <mc:AlternateContent xmlns:mc="http://schemas.openxmlformats.org/markup-compatibility/2006" xmlns:a14="http://schemas.microsoft.com/office/drawing/2010/main">
+        <mc:Choice Requires="a14">
           <p:sp>
             <p:nvSpPr>
               <p:cNvPr id="72" name="Rectangle 71">
@@ -14553,6 +14567,7 @@
               </a:bodyPr>
               <a:lstStyle/>
               <a:p>
+                <a:pPr/>
                 <a14:m>
                   <m:oMathPara xmlns:m="http://schemas.openxmlformats.org/officeDocument/2006/math">
                     <m:oMathParaPr>
@@ -14597,7 +14612,7 @@
             </p:txBody>
           </p:sp>
         </mc:Choice>
-        <mc:Fallback>
+        <mc:Fallback xmlns="">
           <p:sp>
             <p:nvSpPr>
               <p:cNvPr id="72" name="Rectangle 71">
@@ -14642,8 +14657,8 @@
           </p:sp>
         </mc:Fallback>
       </mc:AlternateContent>
-      <mc:AlternateContent xmlns:mc="http://schemas.openxmlformats.org/markup-compatibility/2006">
-        <mc:Choice xmlns:a14="http://schemas.microsoft.com/office/drawing/2010/main" Requires="a14">
+      <mc:AlternateContent xmlns:mc="http://schemas.openxmlformats.org/markup-compatibility/2006" xmlns:a14="http://schemas.microsoft.com/office/drawing/2010/main">
+        <mc:Choice Requires="a14">
           <p:sp>
             <p:nvSpPr>
               <p:cNvPr id="73" name="Rectangle 72">
@@ -14671,6 +14686,7 @@
               </a:bodyPr>
               <a:lstStyle/>
               <a:p>
+                <a:pPr/>
                 <a14:m>
                   <m:oMathPara xmlns:m="http://schemas.openxmlformats.org/officeDocument/2006/math">
                     <m:oMathParaPr>
@@ -14715,7 +14731,7 @@
             </p:txBody>
           </p:sp>
         </mc:Choice>
-        <mc:Fallback>
+        <mc:Fallback xmlns="">
           <p:sp>
             <p:nvSpPr>
               <p:cNvPr id="73" name="Rectangle 72">
@@ -14760,8 +14776,8 @@
           </p:sp>
         </mc:Fallback>
       </mc:AlternateContent>
-      <mc:AlternateContent xmlns:mc="http://schemas.openxmlformats.org/markup-compatibility/2006">
-        <mc:Choice xmlns:p14="http://schemas.microsoft.com/office/powerpoint/2010/main" Requires="p14">
+      <mc:AlternateContent xmlns:mc="http://schemas.openxmlformats.org/markup-compatibility/2006" xmlns:p14="http://schemas.microsoft.com/office/powerpoint/2010/main">
+        <mc:Choice Requires="p14">
           <p:contentPart p14:bwMode="auto" r:id="rId26">
             <p14:nvContentPartPr>
               <p14:cNvPr id="74" name="Ink 73">
@@ -14780,7 +14796,7 @@
             </p14:xfrm>
           </p:contentPart>
         </mc:Choice>
-        <mc:Fallback>
+        <mc:Fallback xmlns="">
           <p:pic>
             <p:nvPicPr>
               <p:cNvPr id="74" name="Ink 73">
@@ -14811,8 +14827,8 @@
           </p:pic>
         </mc:Fallback>
       </mc:AlternateContent>
-      <mc:AlternateContent xmlns:mc="http://schemas.openxmlformats.org/markup-compatibility/2006">
-        <mc:Choice xmlns:p14="http://schemas.microsoft.com/office/powerpoint/2010/main" Requires="p14">
+      <mc:AlternateContent xmlns:mc="http://schemas.openxmlformats.org/markup-compatibility/2006" xmlns:p14="http://schemas.microsoft.com/office/powerpoint/2010/main">
+        <mc:Choice Requires="p14">
           <p:contentPart p14:bwMode="auto" r:id="rId28">
             <p14:nvContentPartPr>
               <p14:cNvPr id="75" name="Ink 74">
@@ -14831,7 +14847,7 @@
             </p14:xfrm>
           </p:contentPart>
         </mc:Choice>
-        <mc:Fallback>
+        <mc:Fallback xmlns="">
           <p:pic>
             <p:nvPicPr>
               <p:cNvPr id="75" name="Ink 74">
@@ -14866,6 +14882,2147 @@
     <p:extLst>
       <p:ext uri="{BB962C8B-B14F-4D97-AF65-F5344CB8AC3E}">
         <p14:creationId xmlns:p14="http://schemas.microsoft.com/office/powerpoint/2010/main" val="1582914489"/>
+      </p:ext>
+    </p:extLst>
+  </p:cSld>
+  <p:clrMapOvr>
+    <a:masterClrMapping/>
+  </p:clrMapOvr>
+</p:sld>
+</file>
+
+<file path=ppt/slides/slide6.xml><?xml version="1.0" encoding="utf-8"?>
+<p:sld xmlns:a="http://schemas.openxmlformats.org/drawingml/2006/main" xmlns:r="http://schemas.openxmlformats.org/officeDocument/2006/relationships" xmlns:p="http://schemas.openxmlformats.org/presentationml/2006/main">
+  <p:cSld>
+    <p:bg>
+      <p:bgPr>
+        <a:pattFill prst="pct5">
+          <a:fgClr>
+            <a:schemeClr val="accent1"/>
+          </a:fgClr>
+          <a:bgClr>
+            <a:schemeClr val="accent4">
+              <a:lumMod val="20000"/>
+              <a:lumOff val="80000"/>
+            </a:schemeClr>
+          </a:bgClr>
+        </a:pattFill>
+        <a:effectLst/>
+      </p:bgPr>
+    </p:bg>
+    <p:spTree>
+      <p:nvGrpSpPr>
+        <p:cNvPr id="1" name=""/>
+        <p:cNvGrpSpPr/>
+        <p:nvPr/>
+      </p:nvGrpSpPr>
+      <p:grpSpPr>
+        <a:xfrm>
+          <a:off x="0" y="0"/>
+          <a:ext cx="0" cy="0"/>
+          <a:chOff x="0" y="0"/>
+          <a:chExt cx="0" cy="0"/>
+        </a:xfrm>
+      </p:grpSpPr>
+      <p:sp>
+        <p:nvSpPr>
+          <p:cNvPr id="4" name="Oval 3">
+            <a:extLst>
+              <a:ext uri="{FF2B5EF4-FFF2-40B4-BE49-F238E27FC236}">
+                <a16:creationId xmlns:a16="http://schemas.microsoft.com/office/drawing/2014/main" id="{74AFECAF-DCE3-094A-B822-F3615975B795}"/>
+              </a:ext>
+            </a:extLst>
+          </p:cNvPr>
+          <p:cNvSpPr/>
+          <p:nvPr/>
+        </p:nvSpPr>
+        <p:spPr>
+          <a:xfrm>
+            <a:off x="5325705" y="2278523"/>
+            <a:ext cx="914400" cy="914400"/>
+          </a:xfrm>
+          <a:prstGeom prst="ellipse">
+            <a:avLst/>
+          </a:prstGeom>
+          <a:gradFill>
+            <a:gsLst>
+              <a:gs pos="0">
+                <a:schemeClr val="accent1">
+                  <a:lumMod val="5000"/>
+                  <a:lumOff val="95000"/>
+                </a:schemeClr>
+              </a:gs>
+              <a:gs pos="74000">
+                <a:schemeClr val="accent1">
+                  <a:lumMod val="45000"/>
+                  <a:lumOff val="55000"/>
+                </a:schemeClr>
+              </a:gs>
+              <a:gs pos="83000">
+                <a:schemeClr val="accent1">
+                  <a:lumMod val="45000"/>
+                  <a:lumOff val="55000"/>
+                </a:schemeClr>
+              </a:gs>
+              <a:gs pos="100000">
+                <a:schemeClr val="accent1">
+                  <a:lumMod val="30000"/>
+                  <a:lumOff val="70000"/>
+                </a:schemeClr>
+              </a:gs>
+            </a:gsLst>
+            <a:lin ang="5400000" scaled="1"/>
+          </a:gradFill>
+          <a:effectLst>
+            <a:softEdge rad="0"/>
+          </a:effectLst>
+        </p:spPr>
+        <p:style>
+          <a:lnRef idx="2">
+            <a:schemeClr val="accent1">
+              <a:shade val="50000"/>
+            </a:schemeClr>
+          </a:lnRef>
+          <a:fillRef idx="1">
+            <a:schemeClr val="accent1"/>
+          </a:fillRef>
+          <a:effectRef idx="0">
+            <a:schemeClr val="accent1"/>
+          </a:effectRef>
+          <a:fontRef idx="minor">
+            <a:schemeClr val="lt1"/>
+          </a:fontRef>
+        </p:style>
+        <p:txBody>
+          <a:bodyPr rtlCol="0" anchor="ctr"/>
+          <a:lstStyle/>
+          <a:p>
+            <a:pPr algn="ctr"/>
+            <a:endParaRPr lang="en-US"/>
+          </a:p>
+        </p:txBody>
+      </p:sp>
+      <p:sp>
+        <p:nvSpPr>
+          <p:cNvPr id="6" name="Oval 5">
+            <a:extLst>
+              <a:ext uri="{FF2B5EF4-FFF2-40B4-BE49-F238E27FC236}">
+                <a16:creationId xmlns:a16="http://schemas.microsoft.com/office/drawing/2014/main" id="{3662F347-046E-E14F-B4F0-B39948865200}"/>
+              </a:ext>
+            </a:extLst>
+          </p:cNvPr>
+          <p:cNvSpPr/>
+          <p:nvPr/>
+        </p:nvSpPr>
+        <p:spPr>
+          <a:xfrm>
+            <a:off x="7007624" y="5011175"/>
+            <a:ext cx="914400" cy="914400"/>
+          </a:xfrm>
+          <a:prstGeom prst="ellipse">
+            <a:avLst/>
+          </a:prstGeom>
+          <a:gradFill>
+            <a:gsLst>
+              <a:gs pos="0">
+                <a:schemeClr val="accent1">
+                  <a:lumMod val="5000"/>
+                  <a:lumOff val="95000"/>
+                </a:schemeClr>
+              </a:gs>
+              <a:gs pos="74000">
+                <a:schemeClr val="accent1">
+                  <a:lumMod val="45000"/>
+                  <a:lumOff val="55000"/>
+                </a:schemeClr>
+              </a:gs>
+              <a:gs pos="83000">
+                <a:schemeClr val="accent1">
+                  <a:lumMod val="45000"/>
+                  <a:lumOff val="55000"/>
+                </a:schemeClr>
+              </a:gs>
+              <a:gs pos="100000">
+                <a:schemeClr val="accent1">
+                  <a:lumMod val="30000"/>
+                  <a:lumOff val="70000"/>
+                </a:schemeClr>
+              </a:gs>
+            </a:gsLst>
+            <a:lin ang="5400000" scaled="1"/>
+          </a:gradFill>
+          <a:effectLst>
+            <a:softEdge rad="0"/>
+          </a:effectLst>
+        </p:spPr>
+        <p:style>
+          <a:lnRef idx="2">
+            <a:schemeClr val="accent1">
+              <a:shade val="50000"/>
+            </a:schemeClr>
+          </a:lnRef>
+          <a:fillRef idx="1">
+            <a:schemeClr val="accent1"/>
+          </a:fillRef>
+          <a:effectRef idx="0">
+            <a:schemeClr val="accent1"/>
+          </a:effectRef>
+          <a:fontRef idx="minor">
+            <a:schemeClr val="lt1"/>
+          </a:fontRef>
+        </p:style>
+        <p:txBody>
+          <a:bodyPr rtlCol="0" anchor="ctr"/>
+          <a:lstStyle/>
+          <a:p>
+            <a:pPr algn="ctr"/>
+            <a:endParaRPr lang="en-US"/>
+          </a:p>
+        </p:txBody>
+      </p:sp>
+      <p:cxnSp>
+        <p:nvCxnSpPr>
+          <p:cNvPr id="8" name="Straight Connector 7">
+            <a:extLst>
+              <a:ext uri="{FF2B5EF4-FFF2-40B4-BE49-F238E27FC236}">
+                <a16:creationId xmlns:a16="http://schemas.microsoft.com/office/drawing/2014/main" id="{7BD79E99-F5D4-AE42-A7F7-A50432987A6A}"/>
+              </a:ext>
+            </a:extLst>
+          </p:cNvPr>
+          <p:cNvCxnSpPr>
+            <a:cxnSpLocks/>
+          </p:cNvCxnSpPr>
+          <p:nvPr/>
+        </p:nvCxnSpPr>
+        <p:spPr>
+          <a:xfrm>
+            <a:off x="3341729" y="681644"/>
+            <a:ext cx="1995055" cy="0"/>
+          </a:xfrm>
+          <a:prstGeom prst="line">
+            <a:avLst/>
+          </a:prstGeom>
+        </p:spPr>
+        <p:style>
+          <a:lnRef idx="1">
+            <a:schemeClr val="accent1"/>
+          </a:lnRef>
+          <a:fillRef idx="0">
+            <a:schemeClr val="accent1"/>
+          </a:fillRef>
+          <a:effectRef idx="0">
+            <a:schemeClr val="accent1"/>
+          </a:effectRef>
+          <a:fontRef idx="minor">
+            <a:schemeClr val="tx1"/>
+          </a:fontRef>
+        </p:style>
+      </p:cxnSp>
+      <p:cxnSp>
+        <p:nvCxnSpPr>
+          <p:cNvPr id="10" name="Straight Connector 9">
+            <a:extLst>
+              <a:ext uri="{FF2B5EF4-FFF2-40B4-BE49-F238E27FC236}">
+                <a16:creationId xmlns:a16="http://schemas.microsoft.com/office/drawing/2014/main" id="{7F6F9803-A03A-4940-9779-BA11E98B0CF3}"/>
+              </a:ext>
+            </a:extLst>
+          </p:cNvPr>
+          <p:cNvCxnSpPr>
+            <a:cxnSpLocks/>
+          </p:cNvCxnSpPr>
+          <p:nvPr/>
+        </p:nvCxnSpPr>
+        <p:spPr>
+          <a:xfrm flipV="1">
+            <a:off x="3374981" y="399008"/>
+            <a:ext cx="166255" cy="282633"/>
+          </a:xfrm>
+          <a:prstGeom prst="line">
+            <a:avLst/>
+          </a:prstGeom>
+        </p:spPr>
+        <p:style>
+          <a:lnRef idx="1">
+            <a:schemeClr val="accent1"/>
+          </a:lnRef>
+          <a:fillRef idx="0">
+            <a:schemeClr val="accent1"/>
+          </a:fillRef>
+          <a:effectRef idx="0">
+            <a:schemeClr val="accent1"/>
+          </a:effectRef>
+          <a:fontRef idx="minor">
+            <a:schemeClr val="tx1"/>
+          </a:fontRef>
+        </p:style>
+      </p:cxnSp>
+      <p:cxnSp>
+        <p:nvCxnSpPr>
+          <p:cNvPr id="11" name="Straight Connector 10">
+            <a:extLst>
+              <a:ext uri="{FF2B5EF4-FFF2-40B4-BE49-F238E27FC236}">
+                <a16:creationId xmlns:a16="http://schemas.microsoft.com/office/drawing/2014/main" id="{84663DFF-9C3A-F541-8579-799391027EA0}"/>
+              </a:ext>
+            </a:extLst>
+          </p:cNvPr>
+          <p:cNvCxnSpPr>
+            <a:cxnSpLocks/>
+          </p:cNvCxnSpPr>
+          <p:nvPr/>
+        </p:nvCxnSpPr>
+        <p:spPr>
+          <a:xfrm flipV="1">
+            <a:off x="5106802" y="418408"/>
+            <a:ext cx="166255" cy="282633"/>
+          </a:xfrm>
+          <a:prstGeom prst="line">
+            <a:avLst/>
+          </a:prstGeom>
+        </p:spPr>
+        <p:style>
+          <a:lnRef idx="1">
+            <a:schemeClr val="accent1"/>
+          </a:lnRef>
+          <a:fillRef idx="0">
+            <a:schemeClr val="accent1"/>
+          </a:fillRef>
+          <a:effectRef idx="0">
+            <a:schemeClr val="accent1"/>
+          </a:effectRef>
+          <a:fontRef idx="minor">
+            <a:schemeClr val="tx1"/>
+          </a:fontRef>
+        </p:style>
+      </p:cxnSp>
+      <p:cxnSp>
+        <p:nvCxnSpPr>
+          <p:cNvPr id="12" name="Straight Connector 11">
+            <a:extLst>
+              <a:ext uri="{FF2B5EF4-FFF2-40B4-BE49-F238E27FC236}">
+                <a16:creationId xmlns:a16="http://schemas.microsoft.com/office/drawing/2014/main" id="{994DEFFC-94F9-5242-B969-940D7FC7B6CA}"/>
+              </a:ext>
+            </a:extLst>
+          </p:cNvPr>
+          <p:cNvCxnSpPr>
+            <a:cxnSpLocks/>
+          </p:cNvCxnSpPr>
+          <p:nvPr/>
+        </p:nvCxnSpPr>
+        <p:spPr>
+          <a:xfrm flipV="1">
+            <a:off x="5325705" y="421183"/>
+            <a:ext cx="166255" cy="282633"/>
+          </a:xfrm>
+          <a:prstGeom prst="line">
+            <a:avLst/>
+          </a:prstGeom>
+        </p:spPr>
+        <p:style>
+          <a:lnRef idx="1">
+            <a:schemeClr val="accent1"/>
+          </a:lnRef>
+          <a:fillRef idx="0">
+            <a:schemeClr val="accent1"/>
+          </a:fillRef>
+          <a:effectRef idx="0">
+            <a:schemeClr val="accent1"/>
+          </a:effectRef>
+          <a:fontRef idx="minor">
+            <a:schemeClr val="tx1"/>
+          </a:fontRef>
+        </p:style>
+      </p:cxnSp>
+      <p:cxnSp>
+        <p:nvCxnSpPr>
+          <p:cNvPr id="13" name="Straight Connector 12">
+            <a:extLst>
+              <a:ext uri="{FF2B5EF4-FFF2-40B4-BE49-F238E27FC236}">
+                <a16:creationId xmlns:a16="http://schemas.microsoft.com/office/drawing/2014/main" id="{C77F7ADE-2073-B244-8AF3-9F2252A4A468}"/>
+              </a:ext>
+            </a:extLst>
+          </p:cNvPr>
+          <p:cNvCxnSpPr>
+            <a:cxnSpLocks/>
+          </p:cNvCxnSpPr>
+          <p:nvPr/>
+        </p:nvCxnSpPr>
+        <p:spPr>
+          <a:xfrm flipV="1">
+            <a:off x="4511063" y="387933"/>
+            <a:ext cx="166255" cy="282633"/>
+          </a:xfrm>
+          <a:prstGeom prst="line">
+            <a:avLst/>
+          </a:prstGeom>
+        </p:spPr>
+        <p:style>
+          <a:lnRef idx="1">
+            <a:schemeClr val="accent1"/>
+          </a:lnRef>
+          <a:fillRef idx="0">
+            <a:schemeClr val="accent1"/>
+          </a:fillRef>
+          <a:effectRef idx="0">
+            <a:schemeClr val="accent1"/>
+          </a:effectRef>
+          <a:fontRef idx="minor">
+            <a:schemeClr val="tx1"/>
+          </a:fontRef>
+        </p:style>
+      </p:cxnSp>
+      <p:cxnSp>
+        <p:nvCxnSpPr>
+          <p:cNvPr id="14" name="Straight Connector 13">
+            <a:extLst>
+              <a:ext uri="{FF2B5EF4-FFF2-40B4-BE49-F238E27FC236}">
+                <a16:creationId xmlns:a16="http://schemas.microsoft.com/office/drawing/2014/main" id="{A9629C91-4827-634E-BC27-EC1AAE3794FE}"/>
+              </a:ext>
+            </a:extLst>
+          </p:cNvPr>
+          <p:cNvCxnSpPr>
+            <a:cxnSpLocks/>
+          </p:cNvCxnSpPr>
+          <p:nvPr/>
+        </p:nvCxnSpPr>
+        <p:spPr>
+          <a:xfrm flipV="1">
+            <a:off x="4297703" y="407333"/>
+            <a:ext cx="166255" cy="282633"/>
+          </a:xfrm>
+          <a:prstGeom prst="line">
+            <a:avLst/>
+          </a:prstGeom>
+        </p:spPr>
+        <p:style>
+          <a:lnRef idx="1">
+            <a:schemeClr val="accent1"/>
+          </a:lnRef>
+          <a:fillRef idx="0">
+            <a:schemeClr val="accent1"/>
+          </a:fillRef>
+          <a:effectRef idx="0">
+            <a:schemeClr val="accent1"/>
+          </a:effectRef>
+          <a:fontRef idx="minor">
+            <a:schemeClr val="tx1"/>
+          </a:fontRef>
+        </p:style>
+      </p:cxnSp>
+      <p:cxnSp>
+        <p:nvCxnSpPr>
+          <p:cNvPr id="15" name="Straight Connector 14">
+            <a:extLst>
+              <a:ext uri="{FF2B5EF4-FFF2-40B4-BE49-F238E27FC236}">
+                <a16:creationId xmlns:a16="http://schemas.microsoft.com/office/drawing/2014/main" id="{6BFA1D76-6533-8A4D-8694-E67AF9E9806E}"/>
+              </a:ext>
+            </a:extLst>
+          </p:cNvPr>
+          <p:cNvCxnSpPr>
+            <a:cxnSpLocks/>
+          </p:cNvCxnSpPr>
+          <p:nvPr/>
+        </p:nvCxnSpPr>
+        <p:spPr>
+          <a:xfrm flipV="1">
+            <a:off x="4682864" y="376856"/>
+            <a:ext cx="166255" cy="282633"/>
+          </a:xfrm>
+          <a:prstGeom prst="line">
+            <a:avLst/>
+          </a:prstGeom>
+        </p:spPr>
+        <p:style>
+          <a:lnRef idx="1">
+            <a:schemeClr val="accent1"/>
+          </a:lnRef>
+          <a:fillRef idx="0">
+            <a:schemeClr val="accent1"/>
+          </a:fillRef>
+          <a:effectRef idx="0">
+            <a:schemeClr val="accent1"/>
+          </a:effectRef>
+          <a:fontRef idx="minor">
+            <a:schemeClr val="tx1"/>
+          </a:fontRef>
+        </p:style>
+      </p:cxnSp>
+      <p:cxnSp>
+        <p:nvCxnSpPr>
+          <p:cNvPr id="16" name="Straight Connector 15">
+            <a:extLst>
+              <a:ext uri="{FF2B5EF4-FFF2-40B4-BE49-F238E27FC236}">
+                <a16:creationId xmlns:a16="http://schemas.microsoft.com/office/drawing/2014/main" id="{C898CFC7-9F8A-7749-A4D1-67D3F437576F}"/>
+              </a:ext>
+            </a:extLst>
+          </p:cNvPr>
+          <p:cNvCxnSpPr>
+            <a:cxnSpLocks/>
+          </p:cNvCxnSpPr>
+          <p:nvPr/>
+        </p:nvCxnSpPr>
+        <p:spPr>
+          <a:xfrm flipV="1">
+            <a:off x="4868513" y="396252"/>
+            <a:ext cx="166255" cy="282633"/>
+          </a:xfrm>
+          <a:prstGeom prst="line">
+            <a:avLst/>
+          </a:prstGeom>
+        </p:spPr>
+        <p:style>
+          <a:lnRef idx="1">
+            <a:schemeClr val="accent1"/>
+          </a:lnRef>
+          <a:fillRef idx="0">
+            <a:schemeClr val="accent1"/>
+          </a:fillRef>
+          <a:effectRef idx="0">
+            <a:schemeClr val="accent1"/>
+          </a:effectRef>
+          <a:fontRef idx="minor">
+            <a:schemeClr val="tx1"/>
+          </a:fontRef>
+        </p:style>
+      </p:cxnSp>
+      <p:cxnSp>
+        <p:nvCxnSpPr>
+          <p:cNvPr id="18" name="Straight Connector 17">
+            <a:extLst>
+              <a:ext uri="{FF2B5EF4-FFF2-40B4-BE49-F238E27FC236}">
+                <a16:creationId xmlns:a16="http://schemas.microsoft.com/office/drawing/2014/main" id="{1998CCA5-1804-7946-AE60-967A2FAECA1C}"/>
+              </a:ext>
+            </a:extLst>
+          </p:cNvPr>
+          <p:cNvCxnSpPr>
+            <a:cxnSpLocks/>
+          </p:cNvCxnSpPr>
+          <p:nvPr/>
+        </p:nvCxnSpPr>
+        <p:spPr>
+          <a:xfrm flipV="1">
+            <a:off x="3918093" y="393483"/>
+            <a:ext cx="166255" cy="282633"/>
+          </a:xfrm>
+          <a:prstGeom prst="line">
+            <a:avLst/>
+          </a:prstGeom>
+        </p:spPr>
+        <p:style>
+          <a:lnRef idx="1">
+            <a:schemeClr val="accent1"/>
+          </a:lnRef>
+          <a:fillRef idx="0">
+            <a:schemeClr val="accent1"/>
+          </a:fillRef>
+          <a:effectRef idx="0">
+            <a:schemeClr val="accent1"/>
+          </a:effectRef>
+          <a:fontRef idx="minor">
+            <a:schemeClr val="tx1"/>
+          </a:fontRef>
+        </p:style>
+      </p:cxnSp>
+      <p:cxnSp>
+        <p:nvCxnSpPr>
+          <p:cNvPr id="19" name="Straight Connector 18">
+            <a:extLst>
+              <a:ext uri="{FF2B5EF4-FFF2-40B4-BE49-F238E27FC236}">
+                <a16:creationId xmlns:a16="http://schemas.microsoft.com/office/drawing/2014/main" id="{4A7C8C98-DD4C-764E-909C-D69AD7336690}"/>
+              </a:ext>
+            </a:extLst>
+          </p:cNvPr>
+          <p:cNvCxnSpPr>
+            <a:cxnSpLocks/>
+          </p:cNvCxnSpPr>
+          <p:nvPr/>
+        </p:nvCxnSpPr>
+        <p:spPr>
+          <a:xfrm flipV="1">
+            <a:off x="3737982" y="412883"/>
+            <a:ext cx="166255" cy="282633"/>
+          </a:xfrm>
+          <a:prstGeom prst="line">
+            <a:avLst/>
+          </a:prstGeom>
+        </p:spPr>
+        <p:style>
+          <a:lnRef idx="1">
+            <a:schemeClr val="accent1"/>
+          </a:lnRef>
+          <a:fillRef idx="0">
+            <a:schemeClr val="accent1"/>
+          </a:fillRef>
+          <a:effectRef idx="0">
+            <a:schemeClr val="accent1"/>
+          </a:effectRef>
+          <a:fontRef idx="minor">
+            <a:schemeClr val="tx1"/>
+          </a:fontRef>
+        </p:style>
+      </p:cxnSp>
+      <p:cxnSp>
+        <p:nvCxnSpPr>
+          <p:cNvPr id="20" name="Straight Connector 19">
+            <a:extLst>
+              <a:ext uri="{FF2B5EF4-FFF2-40B4-BE49-F238E27FC236}">
+                <a16:creationId xmlns:a16="http://schemas.microsoft.com/office/drawing/2014/main" id="{F2C654FB-22B8-9948-A682-55E1B58DD6A5}"/>
+              </a:ext>
+            </a:extLst>
+          </p:cNvPr>
+          <p:cNvCxnSpPr>
+            <a:cxnSpLocks/>
+          </p:cNvCxnSpPr>
+          <p:nvPr/>
+        </p:nvCxnSpPr>
+        <p:spPr>
+          <a:xfrm flipV="1">
+            <a:off x="3555112" y="396258"/>
+            <a:ext cx="166255" cy="282633"/>
+          </a:xfrm>
+          <a:prstGeom prst="line">
+            <a:avLst/>
+          </a:prstGeom>
+        </p:spPr>
+        <p:style>
+          <a:lnRef idx="1">
+            <a:schemeClr val="accent1"/>
+          </a:lnRef>
+          <a:fillRef idx="0">
+            <a:schemeClr val="accent1"/>
+          </a:fillRef>
+          <a:effectRef idx="0">
+            <a:schemeClr val="accent1"/>
+          </a:effectRef>
+          <a:fontRef idx="minor">
+            <a:schemeClr val="tx1"/>
+          </a:fontRef>
+        </p:style>
+      </p:cxnSp>
+      <p:cxnSp>
+        <p:nvCxnSpPr>
+          <p:cNvPr id="21" name="Straight Connector 20">
+            <a:extLst>
+              <a:ext uri="{FF2B5EF4-FFF2-40B4-BE49-F238E27FC236}">
+                <a16:creationId xmlns:a16="http://schemas.microsoft.com/office/drawing/2014/main" id="{498869E8-3108-3D43-BE8A-2B6E179D9E56}"/>
+              </a:ext>
+            </a:extLst>
+          </p:cNvPr>
+          <p:cNvCxnSpPr>
+            <a:cxnSpLocks/>
+          </p:cNvCxnSpPr>
+          <p:nvPr/>
+        </p:nvCxnSpPr>
+        <p:spPr>
+          <a:xfrm flipV="1">
+            <a:off x="4139762" y="399031"/>
+            <a:ext cx="166255" cy="282633"/>
+          </a:xfrm>
+          <a:prstGeom prst="line">
+            <a:avLst/>
+          </a:prstGeom>
+        </p:spPr>
+        <p:style>
+          <a:lnRef idx="1">
+            <a:schemeClr val="accent1"/>
+          </a:lnRef>
+          <a:fillRef idx="0">
+            <a:schemeClr val="accent1"/>
+          </a:fillRef>
+          <a:effectRef idx="0">
+            <a:schemeClr val="accent1"/>
+          </a:effectRef>
+          <a:fontRef idx="minor">
+            <a:schemeClr val="tx1"/>
+          </a:fontRef>
+        </p:style>
+      </p:cxnSp>
+      <p:cxnSp>
+        <p:nvCxnSpPr>
+          <p:cNvPr id="23" name="Straight Connector 22">
+            <a:extLst>
+              <a:ext uri="{FF2B5EF4-FFF2-40B4-BE49-F238E27FC236}">
+                <a16:creationId xmlns:a16="http://schemas.microsoft.com/office/drawing/2014/main" id="{C2C07310-F5B3-F543-9795-98857321A814}"/>
+              </a:ext>
+            </a:extLst>
+          </p:cNvPr>
+          <p:cNvCxnSpPr>
+            <a:cxnSpLocks/>
+          </p:cNvCxnSpPr>
+          <p:nvPr/>
+        </p:nvCxnSpPr>
+        <p:spPr>
+          <a:xfrm>
+            <a:off x="4380830" y="649783"/>
+            <a:ext cx="1257970" cy="1707286"/>
+          </a:xfrm>
+          <a:prstGeom prst="line">
+            <a:avLst/>
+          </a:prstGeom>
+          <a:ln w="38100"/>
+        </p:spPr>
+        <p:style>
+          <a:lnRef idx="1">
+            <a:schemeClr val="accent1"/>
+          </a:lnRef>
+          <a:fillRef idx="0">
+            <a:schemeClr val="accent1"/>
+          </a:fillRef>
+          <a:effectRef idx="0">
+            <a:schemeClr val="accent1"/>
+          </a:effectRef>
+          <a:fontRef idx="minor">
+            <a:schemeClr val="tx1"/>
+          </a:fontRef>
+        </p:style>
+      </p:cxnSp>
+      <p:cxnSp>
+        <p:nvCxnSpPr>
+          <p:cNvPr id="26" name="Straight Connector 25">
+            <a:extLst>
+              <a:ext uri="{FF2B5EF4-FFF2-40B4-BE49-F238E27FC236}">
+                <a16:creationId xmlns:a16="http://schemas.microsoft.com/office/drawing/2014/main" id="{78E981CD-B31C-A84C-A02F-918741A51B29}"/>
+              </a:ext>
+            </a:extLst>
+          </p:cNvPr>
+          <p:cNvCxnSpPr>
+            <a:cxnSpLocks/>
+            <a:stCxn id="4" idx="5"/>
+            <a:endCxn id="6" idx="1"/>
+          </p:cNvCxnSpPr>
+          <p:nvPr/>
+        </p:nvCxnSpPr>
+        <p:spPr>
+          <a:xfrm>
+            <a:off x="6106194" y="3059012"/>
+            <a:ext cx="1035341" cy="2086074"/>
+          </a:xfrm>
+          <a:prstGeom prst="line">
+            <a:avLst/>
+          </a:prstGeom>
+          <a:ln w="38100"/>
+        </p:spPr>
+        <p:style>
+          <a:lnRef idx="1">
+            <a:schemeClr val="accent1"/>
+          </a:lnRef>
+          <a:fillRef idx="0">
+            <a:schemeClr val="accent1"/>
+          </a:fillRef>
+          <a:effectRef idx="0">
+            <a:schemeClr val="accent1"/>
+          </a:effectRef>
+          <a:fontRef idx="minor">
+            <a:schemeClr val="tx1"/>
+          </a:fontRef>
+        </p:style>
+      </p:cxnSp>
+      <p:cxnSp>
+        <p:nvCxnSpPr>
+          <p:cNvPr id="44" name="Straight Connector 43">
+            <a:extLst>
+              <a:ext uri="{FF2B5EF4-FFF2-40B4-BE49-F238E27FC236}">
+                <a16:creationId xmlns:a16="http://schemas.microsoft.com/office/drawing/2014/main" id="{70C201BD-C977-9B49-98D6-48A63D0BDAD8}"/>
+              </a:ext>
+            </a:extLst>
+          </p:cNvPr>
+          <p:cNvCxnSpPr>
+            <a:cxnSpLocks/>
+          </p:cNvCxnSpPr>
+          <p:nvPr/>
+        </p:nvCxnSpPr>
+        <p:spPr>
+          <a:xfrm flipH="1">
+            <a:off x="4339267" y="678885"/>
+            <a:ext cx="66491" cy="5150005"/>
+          </a:xfrm>
+          <a:prstGeom prst="line">
+            <a:avLst/>
+          </a:prstGeom>
+          <a:ln w="31750">
+            <a:prstDash val="sysDash"/>
+            <a:tailEnd type="arrow"/>
+          </a:ln>
+        </p:spPr>
+        <p:style>
+          <a:lnRef idx="1">
+            <a:schemeClr val="accent1"/>
+          </a:lnRef>
+          <a:fillRef idx="0">
+            <a:schemeClr val="accent1"/>
+          </a:fillRef>
+          <a:effectRef idx="0">
+            <a:schemeClr val="accent1"/>
+          </a:effectRef>
+          <a:fontRef idx="minor">
+            <a:schemeClr val="tx1"/>
+          </a:fontRef>
+        </p:style>
+      </p:cxnSp>
+      <p:cxnSp>
+        <p:nvCxnSpPr>
+          <p:cNvPr id="45" name="Straight Connector 44">
+            <a:extLst>
+              <a:ext uri="{FF2B5EF4-FFF2-40B4-BE49-F238E27FC236}">
+                <a16:creationId xmlns:a16="http://schemas.microsoft.com/office/drawing/2014/main" id="{33B84149-8209-6549-AF59-396A89926229}"/>
+              </a:ext>
+            </a:extLst>
+          </p:cNvPr>
+          <p:cNvCxnSpPr>
+            <a:cxnSpLocks/>
+          </p:cNvCxnSpPr>
+          <p:nvPr/>
+        </p:nvCxnSpPr>
+        <p:spPr>
+          <a:xfrm flipH="1">
+            <a:off x="5717854" y="701041"/>
+            <a:ext cx="81657" cy="4068378"/>
+          </a:xfrm>
+          <a:prstGeom prst="line">
+            <a:avLst/>
+          </a:prstGeom>
+          <a:ln w="31750">
+            <a:prstDash val="sysDash"/>
+          </a:ln>
+        </p:spPr>
+        <p:style>
+          <a:lnRef idx="1">
+            <a:schemeClr val="accent1"/>
+          </a:lnRef>
+          <a:fillRef idx="0">
+            <a:schemeClr val="accent1"/>
+          </a:fillRef>
+          <a:effectRef idx="0">
+            <a:schemeClr val="accent1"/>
+          </a:effectRef>
+          <a:fontRef idx="minor">
+            <a:schemeClr val="tx1"/>
+          </a:fontRef>
+        </p:style>
+      </p:cxnSp>
+      <p:cxnSp>
+        <p:nvCxnSpPr>
+          <p:cNvPr id="47" name="Straight Connector 46">
+            <a:extLst>
+              <a:ext uri="{FF2B5EF4-FFF2-40B4-BE49-F238E27FC236}">
+                <a16:creationId xmlns:a16="http://schemas.microsoft.com/office/drawing/2014/main" id="{10928F08-E5C4-8149-98CB-48E35448E4AA}"/>
+              </a:ext>
+            </a:extLst>
+          </p:cNvPr>
+          <p:cNvCxnSpPr>
+            <a:cxnSpLocks/>
+          </p:cNvCxnSpPr>
+          <p:nvPr/>
+        </p:nvCxnSpPr>
+        <p:spPr>
+          <a:xfrm>
+            <a:off x="2676698" y="2789329"/>
+            <a:ext cx="5120640" cy="0"/>
+          </a:xfrm>
+          <a:prstGeom prst="line">
+            <a:avLst/>
+          </a:prstGeom>
+          <a:ln w="31750">
+            <a:prstDash val="sysDash"/>
+            <a:tailEnd type="triangle"/>
+          </a:ln>
+        </p:spPr>
+        <p:style>
+          <a:lnRef idx="1">
+            <a:schemeClr val="accent1"/>
+          </a:lnRef>
+          <a:fillRef idx="0">
+            <a:schemeClr val="accent1"/>
+          </a:fillRef>
+          <a:effectRef idx="0">
+            <a:schemeClr val="accent1"/>
+          </a:effectRef>
+          <a:fontRef idx="minor">
+            <a:schemeClr val="tx1"/>
+          </a:fontRef>
+        </p:style>
+      </p:cxnSp>
+      <mc:AlternateContent xmlns:mc="http://schemas.openxmlformats.org/markup-compatibility/2006">
+        <mc:Choice xmlns:a14="http://schemas.microsoft.com/office/drawing/2010/main" Requires="a14">
+          <p:sp>
+            <p:nvSpPr>
+              <p:cNvPr id="53" name="TextBox 52">
+                <a:extLst>
+                  <a:ext uri="{FF2B5EF4-FFF2-40B4-BE49-F238E27FC236}">
+                    <a16:creationId xmlns:a16="http://schemas.microsoft.com/office/drawing/2014/main" id="{47C67D35-9C0C-A749-99A3-227C0AC092EC}"/>
+                  </a:ext>
+                </a:extLst>
+              </p:cNvPr>
+              <p:cNvSpPr txBox="1"/>
+              <p:nvPr/>
+            </p:nvSpPr>
+            <p:spPr>
+              <a:xfrm>
+                <a:off x="7922024" y="2493215"/>
+                <a:ext cx="540332" cy="584775"/>
+              </a:xfrm>
+              <a:prstGeom prst="rect">
+                <a:avLst/>
+              </a:prstGeom>
+              <a:noFill/>
+            </p:spPr>
+            <p:txBody>
+              <a:bodyPr wrap="square" rtlCol="0">
+                <a:spAutoFit/>
+              </a:bodyPr>
+              <a:lstStyle/>
+              <a:p>
+                <a14:m>
+                  <m:oMathPara xmlns:m="http://schemas.openxmlformats.org/officeDocument/2006/math">
+                    <m:oMathParaPr>
+                      <m:jc m:val="centerGroup"/>
+                    </m:oMathParaPr>
+                    <m:oMath xmlns:m="http://schemas.openxmlformats.org/officeDocument/2006/math">
+                      <m:r>
+                        <a:rPr lang="en-US" sz="3200" b="0" i="1" smtClean="0">
+                          <a:latin typeface="Cambria Math" panose="02040503050406030204" pitchFamily="18" charset="0"/>
+                        </a:rPr>
+                        <m:t>𝑥</m:t>
+                      </m:r>
+                    </m:oMath>
+                  </m:oMathPara>
+                </a14:m>
+                <a:endParaRPr lang="en-US" sz="3200" dirty="0"/>
+              </a:p>
+            </p:txBody>
+          </p:sp>
+        </mc:Choice>
+        <mc:Fallback>
+          <p:sp>
+            <p:nvSpPr>
+              <p:cNvPr id="53" name="TextBox 52">
+                <a:extLst>
+                  <a:ext uri="{FF2B5EF4-FFF2-40B4-BE49-F238E27FC236}">
+                    <a16:creationId xmlns:a16="http://schemas.microsoft.com/office/drawing/2014/main" id="{47C67D35-9C0C-A749-99A3-227C0AC092EC}"/>
+                  </a:ext>
+                </a:extLst>
+              </p:cNvPr>
+              <p:cNvSpPr txBox="1">
+                <a:spLocks noRot="1" noChangeAspect="1" noMove="1" noResize="1" noEditPoints="1" noAdjustHandles="1" noChangeArrowheads="1" noChangeShapeType="1" noTextEdit="1"/>
+              </p:cNvSpPr>
+              <p:nvPr/>
+            </p:nvSpPr>
+            <p:spPr>
+              <a:xfrm>
+                <a:off x="7922024" y="2493215"/>
+                <a:ext cx="540332" cy="584775"/>
+              </a:xfrm>
+              <a:prstGeom prst="rect">
+                <a:avLst/>
+              </a:prstGeom>
+              <a:blipFill>
+                <a:blip r:embed="rId2"/>
+                <a:stretch>
+                  <a:fillRect/>
+                </a:stretch>
+              </a:blipFill>
+            </p:spPr>
+            <p:txBody>
+              <a:bodyPr/>
+              <a:lstStyle/>
+              <a:p>
+                <a:r>
+                  <a:rPr lang="en-US">
+                    <a:noFill/>
+                  </a:rPr>
+                  <a:t> </a:t>
+                </a:r>
+              </a:p>
+            </p:txBody>
+          </p:sp>
+        </mc:Fallback>
+      </mc:AlternateContent>
+      <mc:AlternateContent xmlns:mc="http://schemas.openxmlformats.org/markup-compatibility/2006">
+        <mc:Choice xmlns:a14="http://schemas.microsoft.com/office/drawing/2010/main" Requires="a14">
+          <p:sp>
+            <p:nvSpPr>
+              <p:cNvPr id="54" name="TextBox 53">
+                <a:extLst>
+                  <a:ext uri="{FF2B5EF4-FFF2-40B4-BE49-F238E27FC236}">
+                    <a16:creationId xmlns:a16="http://schemas.microsoft.com/office/drawing/2014/main" id="{DFC2C3DF-8A19-384A-996B-53D43495C04F}"/>
+                  </a:ext>
+                </a:extLst>
+              </p:cNvPr>
+              <p:cNvSpPr txBox="1"/>
+              <p:nvPr/>
+            </p:nvSpPr>
+            <p:spPr>
+              <a:xfrm>
+                <a:off x="3814182" y="5736560"/>
+                <a:ext cx="540332" cy="584775"/>
+              </a:xfrm>
+              <a:prstGeom prst="rect">
+                <a:avLst/>
+              </a:prstGeom>
+              <a:noFill/>
+            </p:spPr>
+            <p:txBody>
+              <a:bodyPr wrap="square" rtlCol="0">
+                <a:spAutoFit/>
+              </a:bodyPr>
+              <a:lstStyle/>
+              <a:p>
+                <a14:m>
+                  <m:oMathPara xmlns:m="http://schemas.openxmlformats.org/officeDocument/2006/math">
+                    <m:oMathParaPr>
+                      <m:jc m:val="centerGroup"/>
+                    </m:oMathParaPr>
+                    <m:oMath xmlns:m="http://schemas.openxmlformats.org/officeDocument/2006/math">
+                      <m:r>
+                        <a:rPr lang="en-US" sz="3200" b="0" i="1" smtClean="0">
+                          <a:latin typeface="Cambria Math" panose="02040503050406030204" pitchFamily="18" charset="0"/>
+                        </a:rPr>
+                        <m:t>−</m:t>
+                      </m:r>
+                      <m:r>
+                        <a:rPr lang="en-US" sz="3200" b="0" i="1" smtClean="0">
+                          <a:latin typeface="Cambria Math" panose="02040503050406030204" pitchFamily="18" charset="0"/>
+                        </a:rPr>
+                        <m:t>𝑦</m:t>
+                      </m:r>
+                    </m:oMath>
+                  </m:oMathPara>
+                </a14:m>
+                <a:endParaRPr lang="en-US" sz="3200" dirty="0"/>
+              </a:p>
+            </p:txBody>
+          </p:sp>
+        </mc:Choice>
+        <mc:Fallback>
+          <p:sp>
+            <p:nvSpPr>
+              <p:cNvPr id="54" name="TextBox 53">
+                <a:extLst>
+                  <a:ext uri="{FF2B5EF4-FFF2-40B4-BE49-F238E27FC236}">
+                    <a16:creationId xmlns:a16="http://schemas.microsoft.com/office/drawing/2014/main" id="{DFC2C3DF-8A19-384A-996B-53D43495C04F}"/>
+                  </a:ext>
+                </a:extLst>
+              </p:cNvPr>
+              <p:cNvSpPr txBox="1">
+                <a:spLocks noRot="1" noChangeAspect="1" noMove="1" noResize="1" noEditPoints="1" noAdjustHandles="1" noChangeArrowheads="1" noChangeShapeType="1" noTextEdit="1"/>
+              </p:cNvSpPr>
+              <p:nvPr/>
+            </p:nvSpPr>
+            <p:spPr>
+              <a:xfrm>
+                <a:off x="3814182" y="5736560"/>
+                <a:ext cx="540332" cy="584775"/>
+              </a:xfrm>
+              <a:prstGeom prst="rect">
+                <a:avLst/>
+              </a:prstGeom>
+              <a:blipFill>
+                <a:blip r:embed="rId3"/>
+                <a:stretch>
+                  <a:fillRect r="-39535" b="-10638"/>
+                </a:stretch>
+              </a:blipFill>
+            </p:spPr>
+            <p:txBody>
+              <a:bodyPr/>
+              <a:lstStyle/>
+              <a:p>
+                <a:r>
+                  <a:rPr lang="en-US">
+                    <a:noFill/>
+                  </a:rPr>
+                  <a:t> </a:t>
+                </a:r>
+              </a:p>
+            </p:txBody>
+          </p:sp>
+        </mc:Fallback>
+      </mc:AlternateContent>
+      <p:sp>
+        <p:nvSpPr>
+          <p:cNvPr id="55" name="TextBox 54">
+            <a:extLst>
+              <a:ext uri="{FF2B5EF4-FFF2-40B4-BE49-F238E27FC236}">
+                <a16:creationId xmlns:a16="http://schemas.microsoft.com/office/drawing/2014/main" id="{9B854658-4DC3-5D49-AB37-E56415DE317B}"/>
+              </a:ext>
+            </a:extLst>
+          </p:cNvPr>
+          <p:cNvSpPr txBox="1"/>
+          <p:nvPr/>
+        </p:nvSpPr>
+        <p:spPr>
+          <a:xfrm>
+            <a:off x="4181341" y="3086"/>
+            <a:ext cx="540332" cy="584775"/>
+          </a:xfrm>
+          <a:prstGeom prst="rect">
+            <a:avLst/>
+          </a:prstGeom>
+          <a:noFill/>
+        </p:spPr>
+        <p:txBody>
+          <a:bodyPr wrap="square" rtlCol="0">
+            <a:spAutoFit/>
+          </a:bodyPr>
+          <a:lstStyle/>
+          <a:p>
+            <a:r>
+              <a:rPr lang="en-US" sz="3200" dirty="0"/>
+              <a:t>O</a:t>
+            </a:r>
+          </a:p>
+        </p:txBody>
+      </p:sp>
+      <mc:AlternateContent xmlns:mc="http://schemas.openxmlformats.org/markup-compatibility/2006">
+        <mc:Choice xmlns:a14="http://schemas.microsoft.com/office/drawing/2010/main" Requires="a14">
+          <p:sp>
+            <p:nvSpPr>
+              <p:cNvPr id="56" name="TextBox 55">
+                <a:extLst>
+                  <a:ext uri="{FF2B5EF4-FFF2-40B4-BE49-F238E27FC236}">
+                    <a16:creationId xmlns:a16="http://schemas.microsoft.com/office/drawing/2014/main" id="{8977D5A0-8EB1-BC47-9E75-C25FBAB62454}"/>
+                  </a:ext>
+                </a:extLst>
+              </p:cNvPr>
+              <p:cNvSpPr txBox="1"/>
+              <p:nvPr/>
+            </p:nvSpPr>
+            <p:spPr>
+              <a:xfrm>
+                <a:off x="4823721" y="4769419"/>
+                <a:ext cx="619279" cy="584775"/>
+              </a:xfrm>
+              <a:prstGeom prst="rect">
+                <a:avLst/>
+              </a:prstGeom>
+              <a:noFill/>
+            </p:spPr>
+            <p:txBody>
+              <a:bodyPr wrap="square" rtlCol="0">
+                <a:spAutoFit/>
+              </a:bodyPr>
+              <a:lstStyle/>
+              <a:p>
+                <a14:m>
+                  <m:oMathPara xmlns:m="http://schemas.openxmlformats.org/officeDocument/2006/math">
+                    <m:oMathParaPr>
+                      <m:jc m:val="centerGroup"/>
+                    </m:oMathParaPr>
+                    <m:oMath xmlns:m="http://schemas.openxmlformats.org/officeDocument/2006/math">
+                      <m:sSub>
+                        <m:sSubPr>
+                          <m:ctrlPr>
+                            <a:rPr lang="en-US" sz="3200" b="0" i="1" smtClean="0">
+                              <a:latin typeface="Cambria Math" panose="02040503050406030204" pitchFamily="18" charset="0"/>
+                            </a:rPr>
+                          </m:ctrlPr>
+                        </m:sSubPr>
+                        <m:e>
+                          <m:r>
+                            <a:rPr lang="en-US" sz="3200" b="0" i="1" smtClean="0">
+                              <a:latin typeface="Cambria Math" panose="02040503050406030204" pitchFamily="18" charset="0"/>
+                            </a:rPr>
+                            <m:t>𝑥</m:t>
+                          </m:r>
+                        </m:e>
+                        <m:sub>
+                          <m:r>
+                            <a:rPr lang="en-US" sz="3200" b="0" i="1" smtClean="0">
+                              <a:latin typeface="Cambria Math" panose="02040503050406030204" pitchFamily="18" charset="0"/>
+                            </a:rPr>
+                            <m:t>1</m:t>
+                          </m:r>
+                        </m:sub>
+                      </m:sSub>
+                    </m:oMath>
+                  </m:oMathPara>
+                </a14:m>
+                <a:endParaRPr lang="en-US" sz="3200" dirty="0"/>
+              </a:p>
+            </p:txBody>
+          </p:sp>
+        </mc:Choice>
+        <mc:Fallback>
+          <p:sp>
+            <p:nvSpPr>
+              <p:cNvPr id="56" name="TextBox 55">
+                <a:extLst>
+                  <a:ext uri="{FF2B5EF4-FFF2-40B4-BE49-F238E27FC236}">
+                    <a16:creationId xmlns:a16="http://schemas.microsoft.com/office/drawing/2014/main" id="{8977D5A0-8EB1-BC47-9E75-C25FBAB62454}"/>
+                  </a:ext>
+                </a:extLst>
+              </p:cNvPr>
+              <p:cNvSpPr txBox="1">
+                <a:spLocks noRot="1" noChangeAspect="1" noMove="1" noResize="1" noEditPoints="1" noAdjustHandles="1" noChangeArrowheads="1" noChangeShapeType="1" noTextEdit="1"/>
+              </p:cNvSpPr>
+              <p:nvPr/>
+            </p:nvSpPr>
+            <p:spPr>
+              <a:xfrm>
+                <a:off x="4823721" y="4769419"/>
+                <a:ext cx="619279" cy="584775"/>
+              </a:xfrm>
+              <a:prstGeom prst="rect">
+                <a:avLst/>
+              </a:prstGeom>
+              <a:blipFill>
+                <a:blip r:embed="rId4"/>
+                <a:stretch>
+                  <a:fillRect/>
+                </a:stretch>
+              </a:blipFill>
+            </p:spPr>
+            <p:txBody>
+              <a:bodyPr/>
+              <a:lstStyle/>
+              <a:p>
+                <a:r>
+                  <a:rPr lang="en-US">
+                    <a:noFill/>
+                  </a:rPr>
+                  <a:t> </a:t>
+                </a:r>
+              </a:p>
+            </p:txBody>
+          </p:sp>
+        </mc:Fallback>
+      </mc:AlternateContent>
+      <mc:AlternateContent xmlns:mc="http://schemas.openxmlformats.org/markup-compatibility/2006">
+        <mc:Choice xmlns:a14="http://schemas.microsoft.com/office/drawing/2010/main" Requires="a14">
+          <p:sp>
+            <p:nvSpPr>
+              <p:cNvPr id="57" name="TextBox 56">
+                <a:extLst>
+                  <a:ext uri="{FF2B5EF4-FFF2-40B4-BE49-F238E27FC236}">
+                    <a16:creationId xmlns:a16="http://schemas.microsoft.com/office/drawing/2014/main" id="{D173A8B5-75F0-774D-B5AB-5FD7192B102A}"/>
+                  </a:ext>
+                </a:extLst>
+              </p:cNvPr>
+              <p:cNvSpPr txBox="1"/>
+              <p:nvPr/>
+            </p:nvSpPr>
+            <p:spPr>
+              <a:xfrm>
+                <a:off x="5942012" y="4762098"/>
+                <a:ext cx="619279" cy="584775"/>
+              </a:xfrm>
+              <a:prstGeom prst="rect">
+                <a:avLst/>
+              </a:prstGeom>
+              <a:noFill/>
+            </p:spPr>
+            <p:txBody>
+              <a:bodyPr wrap="square" rtlCol="0">
+                <a:spAutoFit/>
+              </a:bodyPr>
+              <a:lstStyle/>
+              <a:p>
+                <a14:m>
+                  <m:oMathPara xmlns:m="http://schemas.openxmlformats.org/officeDocument/2006/math">
+                    <m:oMathParaPr>
+                      <m:jc m:val="centerGroup"/>
+                    </m:oMathParaPr>
+                    <m:oMath xmlns:m="http://schemas.openxmlformats.org/officeDocument/2006/math">
+                      <m:sSub>
+                        <m:sSubPr>
+                          <m:ctrlPr>
+                            <a:rPr lang="en-US" sz="3200" b="0" i="1" smtClean="0">
+                              <a:latin typeface="Cambria Math" panose="02040503050406030204" pitchFamily="18" charset="0"/>
+                            </a:rPr>
+                          </m:ctrlPr>
+                        </m:sSubPr>
+                        <m:e>
+                          <m:r>
+                            <a:rPr lang="en-US" sz="3200" b="0" i="1" smtClean="0">
+                              <a:latin typeface="Cambria Math" panose="02040503050406030204" pitchFamily="18" charset="0"/>
+                            </a:rPr>
+                            <m:t>𝑥</m:t>
+                          </m:r>
+                        </m:e>
+                        <m:sub>
+                          <m:r>
+                            <a:rPr lang="en-US" sz="3200" b="0" i="1" smtClean="0">
+                              <a:latin typeface="Cambria Math" panose="02040503050406030204" pitchFamily="18" charset="0"/>
+                            </a:rPr>
+                            <m:t>2</m:t>
+                          </m:r>
+                        </m:sub>
+                      </m:sSub>
+                    </m:oMath>
+                  </m:oMathPara>
+                </a14:m>
+                <a:endParaRPr lang="en-US" sz="3200" dirty="0"/>
+              </a:p>
+            </p:txBody>
+          </p:sp>
+        </mc:Choice>
+        <mc:Fallback>
+          <p:sp>
+            <p:nvSpPr>
+              <p:cNvPr id="57" name="TextBox 56">
+                <a:extLst>
+                  <a:ext uri="{FF2B5EF4-FFF2-40B4-BE49-F238E27FC236}">
+                    <a16:creationId xmlns:a16="http://schemas.microsoft.com/office/drawing/2014/main" id="{D173A8B5-75F0-774D-B5AB-5FD7192B102A}"/>
+                  </a:ext>
+                </a:extLst>
+              </p:cNvPr>
+              <p:cNvSpPr txBox="1">
+                <a:spLocks noRot="1" noChangeAspect="1" noMove="1" noResize="1" noEditPoints="1" noAdjustHandles="1" noChangeArrowheads="1" noChangeShapeType="1" noTextEdit="1"/>
+              </p:cNvSpPr>
+              <p:nvPr/>
+            </p:nvSpPr>
+            <p:spPr>
+              <a:xfrm>
+                <a:off x="5942012" y="4762098"/>
+                <a:ext cx="619279" cy="584775"/>
+              </a:xfrm>
+              <a:prstGeom prst="rect">
+                <a:avLst/>
+              </a:prstGeom>
+              <a:blipFill>
+                <a:blip r:embed="rId5"/>
+                <a:stretch>
+                  <a:fillRect b="-2128"/>
+                </a:stretch>
+              </a:blipFill>
+            </p:spPr>
+            <p:txBody>
+              <a:bodyPr/>
+              <a:lstStyle/>
+              <a:p>
+                <a:r>
+                  <a:rPr lang="en-US">
+                    <a:noFill/>
+                  </a:rPr>
+                  <a:t> </a:t>
+                </a:r>
+              </a:p>
+            </p:txBody>
+          </p:sp>
+        </mc:Fallback>
+      </mc:AlternateContent>
+      <p:cxnSp>
+        <p:nvCxnSpPr>
+          <p:cNvPr id="58" name="Straight Connector 57">
+            <a:extLst>
+              <a:ext uri="{FF2B5EF4-FFF2-40B4-BE49-F238E27FC236}">
+                <a16:creationId xmlns:a16="http://schemas.microsoft.com/office/drawing/2014/main" id="{0E207B7E-B6F3-7645-AC00-813D5445AF4C}"/>
+              </a:ext>
+            </a:extLst>
+          </p:cNvPr>
+          <p:cNvCxnSpPr>
+            <a:cxnSpLocks/>
+          </p:cNvCxnSpPr>
+          <p:nvPr/>
+        </p:nvCxnSpPr>
+        <p:spPr>
+          <a:xfrm>
+            <a:off x="2524317" y="4738255"/>
+            <a:ext cx="5120640" cy="0"/>
+          </a:xfrm>
+          <a:prstGeom prst="line">
+            <a:avLst/>
+          </a:prstGeom>
+          <a:ln w="31750">
+            <a:prstDash val="sysDash"/>
+          </a:ln>
+        </p:spPr>
+        <p:style>
+          <a:lnRef idx="1">
+            <a:schemeClr val="accent1"/>
+          </a:lnRef>
+          <a:fillRef idx="0">
+            <a:schemeClr val="accent1"/>
+          </a:fillRef>
+          <a:effectRef idx="0">
+            <a:schemeClr val="accent1"/>
+          </a:effectRef>
+          <a:fontRef idx="minor">
+            <a:schemeClr val="tx1"/>
+          </a:fontRef>
+        </p:style>
+      </p:cxnSp>
+      <mc:AlternateContent xmlns:mc="http://schemas.openxmlformats.org/markup-compatibility/2006">
+        <mc:Choice xmlns:a14="http://schemas.microsoft.com/office/drawing/2010/main" Requires="a14">
+          <p:sp>
+            <p:nvSpPr>
+              <p:cNvPr id="60" name="TextBox 59">
+                <a:extLst>
+                  <a:ext uri="{FF2B5EF4-FFF2-40B4-BE49-F238E27FC236}">
+                    <a16:creationId xmlns:a16="http://schemas.microsoft.com/office/drawing/2014/main" id="{F0801479-28ED-8746-B864-D8523DFC43BA}"/>
+                  </a:ext>
+                </a:extLst>
+              </p:cNvPr>
+              <p:cNvSpPr txBox="1"/>
+              <p:nvPr/>
+            </p:nvSpPr>
+            <p:spPr>
+              <a:xfrm>
+                <a:off x="4354514" y="1164584"/>
+                <a:ext cx="635887" cy="584775"/>
+              </a:xfrm>
+              <a:prstGeom prst="rect">
+                <a:avLst/>
+              </a:prstGeom>
+              <a:noFill/>
+            </p:spPr>
+            <p:txBody>
+              <a:bodyPr wrap="square" rtlCol="0">
+                <a:spAutoFit/>
+              </a:bodyPr>
+              <a:lstStyle/>
+              <a:p>
+                <a14:m>
+                  <m:oMathPara xmlns:m="http://schemas.openxmlformats.org/officeDocument/2006/math">
+                    <m:oMathParaPr>
+                      <m:jc m:val="centerGroup"/>
+                    </m:oMathParaPr>
+                    <m:oMath xmlns:m="http://schemas.openxmlformats.org/officeDocument/2006/math">
+                      <m:sSub>
+                        <m:sSubPr>
+                          <m:ctrlPr>
+                            <a:rPr lang="en-US" sz="3200" b="0" i="1" smtClean="0">
+                              <a:latin typeface="Cambria Math" panose="02040503050406030204" pitchFamily="18" charset="0"/>
+                            </a:rPr>
+                          </m:ctrlPr>
+                        </m:sSubPr>
+                        <m:e>
+                          <m:r>
+                            <a:rPr lang="en-US" sz="3200" b="0" i="1" smtClean="0">
+                              <a:latin typeface="Cambria Math" panose="02040503050406030204" pitchFamily="18" charset="0"/>
+                            </a:rPr>
+                            <m:t>𝜃</m:t>
+                          </m:r>
+                        </m:e>
+                        <m:sub>
+                          <m:r>
+                            <a:rPr lang="en-US" sz="3200" b="0" i="1" smtClean="0">
+                              <a:latin typeface="Cambria Math" panose="02040503050406030204" pitchFamily="18" charset="0"/>
+                            </a:rPr>
+                            <m:t>1</m:t>
+                          </m:r>
+                        </m:sub>
+                      </m:sSub>
+                    </m:oMath>
+                  </m:oMathPara>
+                </a14:m>
+                <a:endParaRPr lang="en-US" sz="3200" dirty="0"/>
+              </a:p>
+            </p:txBody>
+          </p:sp>
+        </mc:Choice>
+        <mc:Fallback>
+          <p:sp>
+            <p:nvSpPr>
+              <p:cNvPr id="60" name="TextBox 59">
+                <a:extLst>
+                  <a:ext uri="{FF2B5EF4-FFF2-40B4-BE49-F238E27FC236}">
+                    <a16:creationId xmlns:a16="http://schemas.microsoft.com/office/drawing/2014/main" id="{F0801479-28ED-8746-B864-D8523DFC43BA}"/>
+                  </a:ext>
+                </a:extLst>
+              </p:cNvPr>
+              <p:cNvSpPr txBox="1">
+                <a:spLocks noRot="1" noChangeAspect="1" noMove="1" noResize="1" noEditPoints="1" noAdjustHandles="1" noChangeArrowheads="1" noChangeShapeType="1" noTextEdit="1"/>
+              </p:cNvSpPr>
+              <p:nvPr/>
+            </p:nvSpPr>
+            <p:spPr>
+              <a:xfrm>
+                <a:off x="4354514" y="1164584"/>
+                <a:ext cx="635887" cy="584775"/>
+              </a:xfrm>
+              <a:prstGeom prst="rect">
+                <a:avLst/>
+              </a:prstGeom>
+              <a:blipFill>
+                <a:blip r:embed="rId6"/>
+                <a:stretch>
+                  <a:fillRect l="-1961" b="-2128"/>
+                </a:stretch>
+              </a:blipFill>
+            </p:spPr>
+            <p:txBody>
+              <a:bodyPr/>
+              <a:lstStyle/>
+              <a:p>
+                <a:r>
+                  <a:rPr lang="en-US">
+                    <a:noFill/>
+                  </a:rPr>
+                  <a:t> </a:t>
+                </a:r>
+              </a:p>
+            </p:txBody>
+          </p:sp>
+        </mc:Fallback>
+      </mc:AlternateContent>
+      <mc:AlternateContent xmlns:mc="http://schemas.openxmlformats.org/markup-compatibility/2006">
+        <mc:Choice xmlns:a14="http://schemas.microsoft.com/office/drawing/2010/main" Requires="a14">
+          <p:sp>
+            <p:nvSpPr>
+              <p:cNvPr id="61" name="TextBox 60">
+                <a:extLst>
+                  <a:ext uri="{FF2B5EF4-FFF2-40B4-BE49-F238E27FC236}">
+                    <a16:creationId xmlns:a16="http://schemas.microsoft.com/office/drawing/2014/main" id="{F9986BDD-2505-6E40-B0AF-B3254227E75B}"/>
+                  </a:ext>
+                </a:extLst>
+              </p:cNvPr>
+              <p:cNvSpPr txBox="1"/>
+              <p:nvPr/>
+            </p:nvSpPr>
+            <p:spPr>
+              <a:xfrm>
+                <a:off x="5747348" y="3176735"/>
+                <a:ext cx="564007" cy="584775"/>
+              </a:xfrm>
+              <a:prstGeom prst="rect">
+                <a:avLst/>
+              </a:prstGeom>
+              <a:noFill/>
+            </p:spPr>
+            <p:txBody>
+              <a:bodyPr wrap="square" rtlCol="0">
+                <a:spAutoFit/>
+              </a:bodyPr>
+              <a:lstStyle/>
+              <a:p>
+                <a14:m>
+                  <m:oMathPara xmlns:m="http://schemas.openxmlformats.org/officeDocument/2006/math">
+                    <m:oMathParaPr>
+                      <m:jc m:val="centerGroup"/>
+                    </m:oMathParaPr>
+                    <m:oMath xmlns:m="http://schemas.openxmlformats.org/officeDocument/2006/math">
+                      <m:sSub>
+                        <m:sSubPr>
+                          <m:ctrlPr>
+                            <a:rPr lang="en-US" sz="3200" b="0" i="1" smtClean="0">
+                              <a:latin typeface="Cambria Math" panose="02040503050406030204" pitchFamily="18" charset="0"/>
+                            </a:rPr>
+                          </m:ctrlPr>
+                        </m:sSubPr>
+                        <m:e>
+                          <m:r>
+                            <a:rPr lang="en-US" sz="3200" b="0" i="1" smtClean="0">
+                              <a:latin typeface="Cambria Math" panose="02040503050406030204" pitchFamily="18" charset="0"/>
+                            </a:rPr>
+                            <m:t>𝜃</m:t>
+                          </m:r>
+                        </m:e>
+                        <m:sub>
+                          <m:r>
+                            <a:rPr lang="en-US" sz="3200" b="0" i="1" smtClean="0">
+                              <a:latin typeface="Cambria Math" panose="02040503050406030204" pitchFamily="18" charset="0"/>
+                            </a:rPr>
+                            <m:t>2</m:t>
+                          </m:r>
+                        </m:sub>
+                      </m:sSub>
+                    </m:oMath>
+                  </m:oMathPara>
+                </a14:m>
+                <a:endParaRPr lang="en-US" sz="3200" dirty="0"/>
+              </a:p>
+            </p:txBody>
+          </p:sp>
+        </mc:Choice>
+        <mc:Fallback>
+          <p:sp>
+            <p:nvSpPr>
+              <p:cNvPr id="61" name="TextBox 60">
+                <a:extLst>
+                  <a:ext uri="{FF2B5EF4-FFF2-40B4-BE49-F238E27FC236}">
+                    <a16:creationId xmlns:a16="http://schemas.microsoft.com/office/drawing/2014/main" id="{F9986BDD-2505-6E40-B0AF-B3254227E75B}"/>
+                  </a:ext>
+                </a:extLst>
+              </p:cNvPr>
+              <p:cNvSpPr txBox="1">
+                <a:spLocks noRot="1" noChangeAspect="1" noMove="1" noResize="1" noEditPoints="1" noAdjustHandles="1" noChangeArrowheads="1" noChangeShapeType="1" noTextEdit="1"/>
+              </p:cNvSpPr>
+              <p:nvPr/>
+            </p:nvSpPr>
+            <p:spPr>
+              <a:xfrm>
+                <a:off x="5747348" y="3176735"/>
+                <a:ext cx="564007" cy="584775"/>
+              </a:xfrm>
+              <a:prstGeom prst="rect">
+                <a:avLst/>
+              </a:prstGeom>
+              <a:blipFill>
+                <a:blip r:embed="rId7"/>
+                <a:stretch>
+                  <a:fillRect l="-8889" b="-2128"/>
+                </a:stretch>
+              </a:blipFill>
+            </p:spPr>
+            <p:txBody>
+              <a:bodyPr/>
+              <a:lstStyle/>
+              <a:p>
+                <a:r>
+                  <a:rPr lang="en-US">
+                    <a:noFill/>
+                  </a:rPr>
+                  <a:t> </a:t>
+                </a:r>
+              </a:p>
+            </p:txBody>
+          </p:sp>
+        </mc:Fallback>
+      </mc:AlternateContent>
+      <mc:AlternateContent xmlns:mc="http://schemas.openxmlformats.org/markup-compatibility/2006">
+        <mc:Choice xmlns:a14="http://schemas.microsoft.com/office/drawing/2010/main" Requires="a14">
+          <p:sp>
+            <p:nvSpPr>
+              <p:cNvPr id="64" name="TextBox 63">
+                <a:extLst>
+                  <a:ext uri="{FF2B5EF4-FFF2-40B4-BE49-F238E27FC236}">
+                    <a16:creationId xmlns:a16="http://schemas.microsoft.com/office/drawing/2014/main" id="{E6B23472-386D-134F-89CE-EE8A7B6A8F31}"/>
+                  </a:ext>
+                </a:extLst>
+              </p:cNvPr>
+              <p:cNvSpPr txBox="1"/>
+              <p:nvPr/>
+            </p:nvSpPr>
+            <p:spPr>
+              <a:xfrm>
+                <a:off x="6096000" y="2067407"/>
+                <a:ext cx="635887" cy="584775"/>
+              </a:xfrm>
+              <a:prstGeom prst="rect">
+                <a:avLst/>
+              </a:prstGeom>
+              <a:noFill/>
+            </p:spPr>
+            <p:txBody>
+              <a:bodyPr wrap="square" rtlCol="0">
+                <a:spAutoFit/>
+              </a:bodyPr>
+              <a:lstStyle/>
+              <a:p>
+                <a14:m>
+                  <m:oMathPara xmlns:m="http://schemas.openxmlformats.org/officeDocument/2006/math">
+                    <m:oMathParaPr>
+                      <m:jc m:val="centerGroup"/>
+                    </m:oMathParaPr>
+                    <m:oMath xmlns:m="http://schemas.openxmlformats.org/officeDocument/2006/math">
+                      <m:sSub>
+                        <m:sSubPr>
+                          <m:ctrlPr>
+                            <a:rPr lang="en-US" sz="3200" b="0" i="1" smtClean="0">
+                              <a:latin typeface="Cambria Math" panose="02040503050406030204" pitchFamily="18" charset="0"/>
+                            </a:rPr>
+                          </m:ctrlPr>
+                        </m:sSubPr>
+                        <m:e>
+                          <m:r>
+                            <a:rPr lang="en-US" sz="3200" b="0" i="1" smtClean="0">
+                              <a:latin typeface="Cambria Math" panose="02040503050406030204" pitchFamily="18" charset="0"/>
+                            </a:rPr>
+                            <m:t>𝑚</m:t>
+                          </m:r>
+                        </m:e>
+                        <m:sub>
+                          <m:r>
+                            <a:rPr lang="en-US" sz="3200" b="0" i="1" smtClean="0">
+                              <a:latin typeface="Cambria Math" panose="02040503050406030204" pitchFamily="18" charset="0"/>
+                            </a:rPr>
+                            <m:t>1</m:t>
+                          </m:r>
+                        </m:sub>
+                      </m:sSub>
+                    </m:oMath>
+                  </m:oMathPara>
+                </a14:m>
+                <a:endParaRPr lang="en-US" sz="3200" dirty="0"/>
+              </a:p>
+            </p:txBody>
+          </p:sp>
+        </mc:Choice>
+        <mc:Fallback>
+          <p:sp>
+            <p:nvSpPr>
+              <p:cNvPr id="64" name="TextBox 63">
+                <a:extLst>
+                  <a:ext uri="{FF2B5EF4-FFF2-40B4-BE49-F238E27FC236}">
+                    <a16:creationId xmlns:a16="http://schemas.microsoft.com/office/drawing/2014/main" id="{E6B23472-386D-134F-89CE-EE8A7B6A8F31}"/>
+                  </a:ext>
+                </a:extLst>
+              </p:cNvPr>
+              <p:cNvSpPr txBox="1">
+                <a:spLocks noRot="1" noChangeAspect="1" noMove="1" noResize="1" noEditPoints="1" noAdjustHandles="1" noChangeArrowheads="1" noChangeShapeType="1" noTextEdit="1"/>
+              </p:cNvSpPr>
+              <p:nvPr/>
+            </p:nvSpPr>
+            <p:spPr>
+              <a:xfrm>
+                <a:off x="6096000" y="2067407"/>
+                <a:ext cx="635887" cy="584775"/>
+              </a:xfrm>
+              <a:prstGeom prst="rect">
+                <a:avLst/>
+              </a:prstGeom>
+              <a:blipFill>
+                <a:blip r:embed="rId8"/>
+                <a:stretch>
+                  <a:fillRect l="-2000" r="-8000" b="-2128"/>
+                </a:stretch>
+              </a:blipFill>
+            </p:spPr>
+            <p:txBody>
+              <a:bodyPr/>
+              <a:lstStyle/>
+              <a:p>
+                <a:r>
+                  <a:rPr lang="en-US">
+                    <a:noFill/>
+                  </a:rPr>
+                  <a:t> </a:t>
+                </a:r>
+              </a:p>
+            </p:txBody>
+          </p:sp>
+        </mc:Fallback>
+      </mc:AlternateContent>
+      <mc:AlternateContent xmlns:mc="http://schemas.openxmlformats.org/markup-compatibility/2006">
+        <mc:Choice xmlns:a14="http://schemas.microsoft.com/office/drawing/2010/main" Requires="a14">
+          <p:sp>
+            <p:nvSpPr>
+              <p:cNvPr id="66" name="TextBox 65">
+                <a:extLst>
+                  <a:ext uri="{FF2B5EF4-FFF2-40B4-BE49-F238E27FC236}">
+                    <a16:creationId xmlns:a16="http://schemas.microsoft.com/office/drawing/2014/main" id="{4D3F6BEF-1319-DF42-B561-740E41403128}"/>
+                  </a:ext>
+                </a:extLst>
+              </p:cNvPr>
+              <p:cNvSpPr txBox="1"/>
+              <p:nvPr/>
+            </p:nvSpPr>
+            <p:spPr>
+              <a:xfrm>
+                <a:off x="7113649" y="5112710"/>
+                <a:ext cx="635887" cy="584775"/>
+              </a:xfrm>
+              <a:prstGeom prst="rect">
+                <a:avLst/>
+              </a:prstGeom>
+              <a:noFill/>
+            </p:spPr>
+            <p:txBody>
+              <a:bodyPr wrap="square" rtlCol="0">
+                <a:spAutoFit/>
+              </a:bodyPr>
+              <a:lstStyle/>
+              <a:p>
+                <a14:m>
+                  <m:oMathPara xmlns:m="http://schemas.openxmlformats.org/officeDocument/2006/math">
+                    <m:oMathParaPr>
+                      <m:jc m:val="centerGroup"/>
+                    </m:oMathParaPr>
+                    <m:oMath xmlns:m="http://schemas.openxmlformats.org/officeDocument/2006/math">
+                      <m:sSub>
+                        <m:sSubPr>
+                          <m:ctrlPr>
+                            <a:rPr lang="en-US" sz="3200" b="0" i="1" smtClean="0">
+                              <a:latin typeface="Cambria Math" panose="02040503050406030204" pitchFamily="18" charset="0"/>
+                            </a:rPr>
+                          </m:ctrlPr>
+                        </m:sSubPr>
+                        <m:e>
+                          <m:r>
+                            <a:rPr lang="en-US" sz="3200" b="0" i="1" smtClean="0">
+                              <a:latin typeface="Cambria Math" panose="02040503050406030204" pitchFamily="18" charset="0"/>
+                            </a:rPr>
+                            <m:t>𝑚</m:t>
+                          </m:r>
+                        </m:e>
+                        <m:sub>
+                          <m:r>
+                            <a:rPr lang="en-US" sz="3200" b="0" i="1" smtClean="0">
+                              <a:latin typeface="Cambria Math" panose="02040503050406030204" pitchFamily="18" charset="0"/>
+                            </a:rPr>
+                            <m:t>2</m:t>
+                          </m:r>
+                        </m:sub>
+                      </m:sSub>
+                    </m:oMath>
+                  </m:oMathPara>
+                </a14:m>
+                <a:endParaRPr lang="en-US" sz="3200" dirty="0"/>
+              </a:p>
+            </p:txBody>
+          </p:sp>
+        </mc:Choice>
+        <mc:Fallback>
+          <p:sp>
+            <p:nvSpPr>
+              <p:cNvPr id="66" name="TextBox 65">
+                <a:extLst>
+                  <a:ext uri="{FF2B5EF4-FFF2-40B4-BE49-F238E27FC236}">
+                    <a16:creationId xmlns:a16="http://schemas.microsoft.com/office/drawing/2014/main" id="{4D3F6BEF-1319-DF42-B561-740E41403128}"/>
+                  </a:ext>
+                </a:extLst>
+              </p:cNvPr>
+              <p:cNvSpPr txBox="1">
+                <a:spLocks noRot="1" noChangeAspect="1" noMove="1" noResize="1" noEditPoints="1" noAdjustHandles="1" noChangeArrowheads="1" noChangeShapeType="1" noTextEdit="1"/>
+              </p:cNvSpPr>
+              <p:nvPr/>
+            </p:nvSpPr>
+            <p:spPr>
+              <a:xfrm>
+                <a:off x="7113649" y="5112710"/>
+                <a:ext cx="635887" cy="584775"/>
+              </a:xfrm>
+              <a:prstGeom prst="rect">
+                <a:avLst/>
+              </a:prstGeom>
+              <a:blipFill>
+                <a:blip r:embed="rId9"/>
+                <a:stretch>
+                  <a:fillRect r="-7843"/>
+                </a:stretch>
+              </a:blipFill>
+            </p:spPr>
+            <p:txBody>
+              <a:bodyPr/>
+              <a:lstStyle/>
+              <a:p>
+                <a:r>
+                  <a:rPr lang="en-US">
+                    <a:noFill/>
+                  </a:rPr>
+                  <a:t> </a:t>
+                </a:r>
+              </a:p>
+            </p:txBody>
+          </p:sp>
+        </mc:Fallback>
+      </mc:AlternateContent>
+      <p:sp>
+        <p:nvSpPr>
+          <p:cNvPr id="67" name="Arc 66">
+            <a:extLst>
+              <a:ext uri="{FF2B5EF4-FFF2-40B4-BE49-F238E27FC236}">
+                <a16:creationId xmlns:a16="http://schemas.microsoft.com/office/drawing/2014/main" id="{F4AC4715-3090-3D4C-A1A8-376708160FEE}"/>
+              </a:ext>
+            </a:extLst>
+          </p:cNvPr>
+          <p:cNvSpPr/>
+          <p:nvPr/>
+        </p:nvSpPr>
+        <p:spPr>
+          <a:xfrm rot="8348643">
+            <a:off x="5678057" y="3291880"/>
+            <a:ext cx="701572" cy="771529"/>
+          </a:xfrm>
+          <a:prstGeom prst="arc">
+            <a:avLst>
+              <a:gd name="adj1" fmla="val 10938888"/>
+              <a:gd name="adj2" fmla="val 0"/>
+            </a:avLst>
+          </a:prstGeom>
+        </p:spPr>
+        <p:style>
+          <a:lnRef idx="1">
+            <a:schemeClr val="accent1"/>
+          </a:lnRef>
+          <a:fillRef idx="0">
+            <a:schemeClr val="accent1"/>
+          </a:fillRef>
+          <a:effectRef idx="0">
+            <a:schemeClr val="accent1"/>
+          </a:effectRef>
+          <a:fontRef idx="minor">
+            <a:schemeClr val="tx1"/>
+          </a:fontRef>
+        </p:style>
+        <p:txBody>
+          <a:bodyPr rtlCol="0" anchor="ctr"/>
+          <a:lstStyle/>
+          <a:p>
+            <a:pPr algn="ctr"/>
+            <a:endParaRPr lang="en-US"/>
+          </a:p>
+        </p:txBody>
+      </p:sp>
+      <p:sp>
+        <p:nvSpPr>
+          <p:cNvPr id="68" name="Arc 67">
+            <a:extLst>
+              <a:ext uri="{FF2B5EF4-FFF2-40B4-BE49-F238E27FC236}">
+                <a16:creationId xmlns:a16="http://schemas.microsoft.com/office/drawing/2014/main" id="{2342AEA7-AC52-7346-86B6-174E93119E20}"/>
+              </a:ext>
+            </a:extLst>
+          </p:cNvPr>
+          <p:cNvSpPr/>
+          <p:nvPr/>
+        </p:nvSpPr>
+        <p:spPr>
+          <a:xfrm rot="9163014">
+            <a:off x="4367692" y="1552617"/>
+            <a:ext cx="702692" cy="294560"/>
+          </a:xfrm>
+          <a:prstGeom prst="arc">
+            <a:avLst>
+              <a:gd name="adj1" fmla="val 10938888"/>
+              <a:gd name="adj2" fmla="val 21552719"/>
+            </a:avLst>
+          </a:prstGeom>
+        </p:spPr>
+        <p:style>
+          <a:lnRef idx="1">
+            <a:schemeClr val="accent1"/>
+          </a:lnRef>
+          <a:fillRef idx="0">
+            <a:schemeClr val="accent1"/>
+          </a:fillRef>
+          <a:effectRef idx="0">
+            <a:schemeClr val="accent1"/>
+          </a:effectRef>
+          <a:fontRef idx="minor">
+            <a:schemeClr val="tx1"/>
+          </a:fontRef>
+        </p:style>
+        <p:txBody>
+          <a:bodyPr rtlCol="0" anchor="ctr"/>
+          <a:lstStyle/>
+          <a:p>
+            <a:pPr algn="ctr"/>
+            <a:endParaRPr lang="en-US"/>
+          </a:p>
+        </p:txBody>
+      </p:sp>
+      <mc:AlternateContent xmlns:mc="http://schemas.openxmlformats.org/markup-compatibility/2006">
+        <mc:Choice xmlns:a14="http://schemas.microsoft.com/office/drawing/2010/main" Requires="a14">
+          <p:sp>
+            <p:nvSpPr>
+              <p:cNvPr id="70" name="TextBox 69">
+                <a:extLst>
+                  <a:ext uri="{FF2B5EF4-FFF2-40B4-BE49-F238E27FC236}">
+                    <a16:creationId xmlns:a16="http://schemas.microsoft.com/office/drawing/2014/main" id="{27B0EAA8-25FC-0242-8257-3BC6A190426C}"/>
+                  </a:ext>
+                </a:extLst>
+              </p:cNvPr>
+              <p:cNvSpPr txBox="1"/>
+              <p:nvPr/>
+            </p:nvSpPr>
+            <p:spPr>
+              <a:xfrm>
+                <a:off x="4905267" y="969802"/>
+                <a:ext cx="635887" cy="584775"/>
+              </a:xfrm>
+              <a:prstGeom prst="rect">
+                <a:avLst/>
+              </a:prstGeom>
+              <a:noFill/>
+            </p:spPr>
+            <p:txBody>
+              <a:bodyPr wrap="square" rtlCol="0">
+                <a:spAutoFit/>
+              </a:bodyPr>
+              <a:lstStyle/>
+              <a:p>
+                <a14:m>
+                  <m:oMathPara xmlns:m="http://schemas.openxmlformats.org/officeDocument/2006/math">
+                    <m:oMathParaPr>
+                      <m:jc m:val="centerGroup"/>
+                    </m:oMathParaPr>
+                    <m:oMath xmlns:m="http://schemas.openxmlformats.org/officeDocument/2006/math">
+                      <m:sSub>
+                        <m:sSubPr>
+                          <m:ctrlPr>
+                            <a:rPr lang="en-US" sz="3200" b="0" i="1" smtClean="0">
+                              <a:latin typeface="Cambria Math" panose="02040503050406030204" pitchFamily="18" charset="0"/>
+                            </a:rPr>
+                          </m:ctrlPr>
+                        </m:sSubPr>
+                        <m:e>
+                          <m:r>
+                            <a:rPr lang="en-US" sz="3200" b="0" i="1" smtClean="0">
+                              <a:latin typeface="Cambria Math" panose="02040503050406030204" pitchFamily="18" charset="0"/>
+                            </a:rPr>
+                            <m:t>𝑙</m:t>
+                          </m:r>
+                        </m:e>
+                        <m:sub>
+                          <m:r>
+                            <a:rPr lang="en-US" sz="3200" b="0" i="1" smtClean="0">
+                              <a:latin typeface="Cambria Math" panose="02040503050406030204" pitchFamily="18" charset="0"/>
+                            </a:rPr>
+                            <m:t>1</m:t>
+                          </m:r>
+                        </m:sub>
+                      </m:sSub>
+                    </m:oMath>
+                  </m:oMathPara>
+                </a14:m>
+                <a:endParaRPr lang="en-US" sz="3200" dirty="0"/>
+              </a:p>
+            </p:txBody>
+          </p:sp>
+        </mc:Choice>
+        <mc:Fallback>
+          <p:sp>
+            <p:nvSpPr>
+              <p:cNvPr id="70" name="TextBox 69">
+                <a:extLst>
+                  <a:ext uri="{FF2B5EF4-FFF2-40B4-BE49-F238E27FC236}">
+                    <a16:creationId xmlns:a16="http://schemas.microsoft.com/office/drawing/2014/main" id="{27B0EAA8-25FC-0242-8257-3BC6A190426C}"/>
+                  </a:ext>
+                </a:extLst>
+              </p:cNvPr>
+              <p:cNvSpPr txBox="1">
+                <a:spLocks noRot="1" noChangeAspect="1" noMove="1" noResize="1" noEditPoints="1" noAdjustHandles="1" noChangeArrowheads="1" noChangeShapeType="1" noTextEdit="1"/>
+              </p:cNvSpPr>
+              <p:nvPr/>
+            </p:nvSpPr>
+            <p:spPr>
+              <a:xfrm>
+                <a:off x="4905267" y="969802"/>
+                <a:ext cx="635887" cy="584775"/>
+              </a:xfrm>
+              <a:prstGeom prst="rect">
+                <a:avLst/>
+              </a:prstGeom>
+              <a:blipFill>
+                <a:blip r:embed="rId10"/>
+                <a:stretch>
+                  <a:fillRect b="-2128"/>
+                </a:stretch>
+              </a:blipFill>
+            </p:spPr>
+            <p:txBody>
+              <a:bodyPr/>
+              <a:lstStyle/>
+              <a:p>
+                <a:r>
+                  <a:rPr lang="en-US">
+                    <a:noFill/>
+                  </a:rPr>
+                  <a:t> </a:t>
+                </a:r>
+              </a:p>
+            </p:txBody>
+          </p:sp>
+        </mc:Fallback>
+      </mc:AlternateContent>
+      <mc:AlternateContent xmlns:mc="http://schemas.openxmlformats.org/markup-compatibility/2006">
+        <mc:Choice xmlns:a14="http://schemas.microsoft.com/office/drawing/2010/main" Requires="a14">
+          <p:sp>
+            <p:nvSpPr>
+              <p:cNvPr id="71" name="TextBox 70">
+                <a:extLst>
+                  <a:ext uri="{FF2B5EF4-FFF2-40B4-BE49-F238E27FC236}">
+                    <a16:creationId xmlns:a16="http://schemas.microsoft.com/office/drawing/2014/main" id="{08A77EA3-3DB8-5F43-818A-991E15124B02}"/>
+                  </a:ext>
+                </a:extLst>
+              </p:cNvPr>
+              <p:cNvSpPr txBox="1"/>
+              <p:nvPr/>
+            </p:nvSpPr>
+            <p:spPr>
+              <a:xfrm>
+                <a:off x="6577949" y="3673202"/>
+                <a:ext cx="635887" cy="584775"/>
+              </a:xfrm>
+              <a:prstGeom prst="rect">
+                <a:avLst/>
+              </a:prstGeom>
+              <a:noFill/>
+            </p:spPr>
+            <p:txBody>
+              <a:bodyPr wrap="square" rtlCol="0">
+                <a:spAutoFit/>
+              </a:bodyPr>
+              <a:lstStyle/>
+              <a:p>
+                <a14:m>
+                  <m:oMathPara xmlns:m="http://schemas.openxmlformats.org/officeDocument/2006/math">
+                    <m:oMathParaPr>
+                      <m:jc m:val="centerGroup"/>
+                    </m:oMathParaPr>
+                    <m:oMath xmlns:m="http://schemas.openxmlformats.org/officeDocument/2006/math">
+                      <m:sSub>
+                        <m:sSubPr>
+                          <m:ctrlPr>
+                            <a:rPr lang="en-US" sz="3200" b="0" i="1" smtClean="0">
+                              <a:latin typeface="Cambria Math" panose="02040503050406030204" pitchFamily="18" charset="0"/>
+                            </a:rPr>
+                          </m:ctrlPr>
+                        </m:sSubPr>
+                        <m:e>
+                          <m:r>
+                            <a:rPr lang="en-US" sz="3200" b="0" i="1" smtClean="0">
+                              <a:latin typeface="Cambria Math" panose="02040503050406030204" pitchFamily="18" charset="0"/>
+                            </a:rPr>
+                            <m:t>𝑙</m:t>
+                          </m:r>
+                        </m:e>
+                        <m:sub>
+                          <m:r>
+                            <a:rPr lang="en-US" sz="3200" b="0" i="1" smtClean="0">
+                              <a:latin typeface="Cambria Math" panose="02040503050406030204" pitchFamily="18" charset="0"/>
+                            </a:rPr>
+                            <m:t>2</m:t>
+                          </m:r>
+                        </m:sub>
+                      </m:sSub>
+                    </m:oMath>
+                  </m:oMathPara>
+                </a14:m>
+                <a:endParaRPr lang="en-US" sz="3200" dirty="0"/>
+              </a:p>
+            </p:txBody>
+          </p:sp>
+        </mc:Choice>
+        <mc:Fallback>
+          <p:sp>
+            <p:nvSpPr>
+              <p:cNvPr id="71" name="TextBox 70">
+                <a:extLst>
+                  <a:ext uri="{FF2B5EF4-FFF2-40B4-BE49-F238E27FC236}">
+                    <a16:creationId xmlns:a16="http://schemas.microsoft.com/office/drawing/2014/main" id="{08A77EA3-3DB8-5F43-818A-991E15124B02}"/>
+                  </a:ext>
+                </a:extLst>
+              </p:cNvPr>
+              <p:cNvSpPr txBox="1">
+                <a:spLocks noRot="1" noChangeAspect="1" noMove="1" noResize="1" noEditPoints="1" noAdjustHandles="1" noChangeArrowheads="1" noChangeShapeType="1" noTextEdit="1"/>
+              </p:cNvSpPr>
+              <p:nvPr/>
+            </p:nvSpPr>
+            <p:spPr>
+              <a:xfrm>
+                <a:off x="6577949" y="3673202"/>
+                <a:ext cx="635887" cy="584775"/>
+              </a:xfrm>
+              <a:prstGeom prst="rect">
+                <a:avLst/>
+              </a:prstGeom>
+              <a:blipFill>
+                <a:blip r:embed="rId11"/>
+                <a:stretch>
+                  <a:fillRect b="-2128"/>
+                </a:stretch>
+              </a:blipFill>
+            </p:spPr>
+            <p:txBody>
+              <a:bodyPr/>
+              <a:lstStyle/>
+              <a:p>
+                <a:r>
+                  <a:rPr lang="en-US">
+                    <a:noFill/>
+                  </a:rPr>
+                  <a:t> </a:t>
+                </a:r>
+              </a:p>
+            </p:txBody>
+          </p:sp>
+        </mc:Fallback>
+      </mc:AlternateContent>
+    </p:spTree>
+    <p:extLst>
+      <p:ext uri="{BB962C8B-B14F-4D97-AF65-F5344CB8AC3E}">
+        <p14:creationId xmlns:p14="http://schemas.microsoft.com/office/powerpoint/2010/main" val="2668059074"/>
       </p:ext>
     </p:extLst>
   </p:cSld>

--- a/lec_notes/figures/figures.pptx
+++ b/lec_notes/figures/figures.pptx
@@ -11,6 +11,8 @@
     <p:sldId id="259" r:id="rId5"/>
     <p:sldId id="260" r:id="rId6"/>
     <p:sldId id="261" r:id="rId7"/>
+    <p:sldId id="262" r:id="rId8"/>
+    <p:sldId id="263" r:id="rId9"/>
   </p:sldIdLst>
   <p:sldSz cx="12192000" cy="6858000"/>
   <p:notesSz cx="6858000" cy="9144000"/>
@@ -453,7 +455,7 @@
           <a:p>
             <a:fld id="{0D280508-E0AD-1049-8860-6AFFDEA0EF4B}" type="datetimeFigureOut">
               <a:rPr lang="en-US" smtClean="0"/>
-              <a:t>12/15/19</a:t>
+              <a:t>12/23/19</a:t>
             </a:fld>
             <a:endParaRPr lang="en-US"/>
           </a:p>
@@ -651,7 +653,7 @@
           <a:p>
             <a:fld id="{0D280508-E0AD-1049-8860-6AFFDEA0EF4B}" type="datetimeFigureOut">
               <a:rPr lang="en-US" smtClean="0"/>
-              <a:t>12/15/19</a:t>
+              <a:t>12/23/19</a:t>
             </a:fld>
             <a:endParaRPr lang="en-US"/>
           </a:p>
@@ -859,7 +861,7 @@
           <a:p>
             <a:fld id="{0D280508-E0AD-1049-8860-6AFFDEA0EF4B}" type="datetimeFigureOut">
               <a:rPr lang="en-US" smtClean="0"/>
-              <a:t>12/15/19</a:t>
+              <a:t>12/23/19</a:t>
             </a:fld>
             <a:endParaRPr lang="en-US"/>
           </a:p>
@@ -1057,7 +1059,7 @@
           <a:p>
             <a:fld id="{0D280508-E0AD-1049-8860-6AFFDEA0EF4B}" type="datetimeFigureOut">
               <a:rPr lang="en-US" smtClean="0"/>
-              <a:t>12/15/19</a:t>
+              <a:t>12/23/19</a:t>
             </a:fld>
             <a:endParaRPr lang="en-US"/>
           </a:p>
@@ -1332,7 +1334,7 @@
           <a:p>
             <a:fld id="{0D280508-E0AD-1049-8860-6AFFDEA0EF4B}" type="datetimeFigureOut">
               <a:rPr lang="en-US" smtClean="0"/>
-              <a:t>12/15/19</a:t>
+              <a:t>12/23/19</a:t>
             </a:fld>
             <a:endParaRPr lang="en-US"/>
           </a:p>
@@ -1597,7 +1599,7 @@
           <a:p>
             <a:fld id="{0D280508-E0AD-1049-8860-6AFFDEA0EF4B}" type="datetimeFigureOut">
               <a:rPr lang="en-US" smtClean="0"/>
-              <a:t>12/15/19</a:t>
+              <a:t>12/23/19</a:t>
             </a:fld>
             <a:endParaRPr lang="en-US"/>
           </a:p>
@@ -2009,7 +2011,7 @@
           <a:p>
             <a:fld id="{0D280508-E0AD-1049-8860-6AFFDEA0EF4B}" type="datetimeFigureOut">
               <a:rPr lang="en-US" smtClean="0"/>
-              <a:t>12/15/19</a:t>
+              <a:t>12/23/19</a:t>
             </a:fld>
             <a:endParaRPr lang="en-US"/>
           </a:p>
@@ -2150,7 +2152,7 @@
           <a:p>
             <a:fld id="{0D280508-E0AD-1049-8860-6AFFDEA0EF4B}" type="datetimeFigureOut">
               <a:rPr lang="en-US" smtClean="0"/>
-              <a:t>12/15/19</a:t>
+              <a:t>12/23/19</a:t>
             </a:fld>
             <a:endParaRPr lang="en-US"/>
           </a:p>
@@ -2263,7 +2265,7 @@
           <a:p>
             <a:fld id="{0D280508-E0AD-1049-8860-6AFFDEA0EF4B}" type="datetimeFigureOut">
               <a:rPr lang="en-US" smtClean="0"/>
-              <a:t>12/15/19</a:t>
+              <a:t>12/23/19</a:t>
             </a:fld>
             <a:endParaRPr lang="en-US"/>
           </a:p>
@@ -2574,7 +2576,7 @@
           <a:p>
             <a:fld id="{0D280508-E0AD-1049-8860-6AFFDEA0EF4B}" type="datetimeFigureOut">
               <a:rPr lang="en-US" smtClean="0"/>
-              <a:t>12/15/19</a:t>
+              <a:t>12/23/19</a:t>
             </a:fld>
             <a:endParaRPr lang="en-US"/>
           </a:p>
@@ -2862,7 +2864,7 @@
           <a:p>
             <a:fld id="{0D280508-E0AD-1049-8860-6AFFDEA0EF4B}" type="datetimeFigureOut">
               <a:rPr lang="en-US" smtClean="0"/>
-              <a:t>12/15/19</a:t>
+              <a:t>12/23/19</a:t>
             </a:fld>
             <a:endParaRPr lang="en-US"/>
           </a:p>
@@ -3103,7 +3105,7 @@
           <a:p>
             <a:fld id="{0D280508-E0AD-1049-8860-6AFFDEA0EF4B}" type="datetimeFigureOut">
               <a:rPr lang="en-US" smtClean="0"/>
-              <a:t>12/15/19</a:t>
+              <a:t>12/23/19</a:t>
             </a:fld>
             <a:endParaRPr lang="en-US"/>
           </a:p>
@@ -15741,8 +15743,8 @@
           </a:fontRef>
         </p:style>
       </p:cxnSp>
-      <mc:AlternateContent xmlns:mc="http://schemas.openxmlformats.org/markup-compatibility/2006">
-        <mc:Choice xmlns:a14="http://schemas.microsoft.com/office/drawing/2010/main" Requires="a14">
+      <mc:AlternateContent xmlns:mc="http://schemas.openxmlformats.org/markup-compatibility/2006" xmlns:a14="http://schemas.microsoft.com/office/drawing/2010/main">
+        <mc:Choice Requires="a14">
           <p:sp>
             <p:nvSpPr>
               <p:cNvPr id="53" name="TextBox 52">
@@ -15771,6 +15773,7 @@
               </a:bodyPr>
               <a:lstStyle/>
               <a:p>
+                <a:pPr/>
                 <a14:m>
                   <m:oMathPara xmlns:m="http://schemas.openxmlformats.org/officeDocument/2006/math">
                     <m:oMathParaPr>
@@ -15791,7 +15794,7 @@
             </p:txBody>
           </p:sp>
         </mc:Choice>
-        <mc:Fallback>
+        <mc:Fallback xmlns="">
           <p:sp>
             <p:nvSpPr>
               <p:cNvPr id="53" name="TextBox 52">
@@ -15836,8 +15839,8 @@
           </p:sp>
         </mc:Fallback>
       </mc:AlternateContent>
-      <mc:AlternateContent xmlns:mc="http://schemas.openxmlformats.org/markup-compatibility/2006">
-        <mc:Choice xmlns:a14="http://schemas.microsoft.com/office/drawing/2010/main" Requires="a14">
+      <mc:AlternateContent xmlns:mc="http://schemas.openxmlformats.org/markup-compatibility/2006" xmlns:a14="http://schemas.microsoft.com/office/drawing/2010/main">
+        <mc:Choice Requires="a14">
           <p:sp>
             <p:nvSpPr>
               <p:cNvPr id="54" name="TextBox 53">
@@ -15866,6 +15869,7 @@
               </a:bodyPr>
               <a:lstStyle/>
               <a:p>
+                <a:pPr/>
                 <a14:m>
                   <m:oMathPara xmlns:m="http://schemas.openxmlformats.org/officeDocument/2006/math">
                     <m:oMathParaPr>
@@ -15892,7 +15896,7 @@
             </p:txBody>
           </p:sp>
         </mc:Choice>
-        <mc:Fallback>
+        <mc:Fallback xmlns="">
           <p:sp>
             <p:nvSpPr>
               <p:cNvPr id="54" name="TextBox 53">
@@ -15972,8 +15976,8 @@
           </a:p>
         </p:txBody>
       </p:sp>
-      <mc:AlternateContent xmlns:mc="http://schemas.openxmlformats.org/markup-compatibility/2006">
-        <mc:Choice xmlns:a14="http://schemas.microsoft.com/office/drawing/2010/main" Requires="a14">
+      <mc:AlternateContent xmlns:mc="http://schemas.openxmlformats.org/markup-compatibility/2006" xmlns:a14="http://schemas.microsoft.com/office/drawing/2010/main">
+        <mc:Choice Requires="a14">
           <p:sp>
             <p:nvSpPr>
               <p:cNvPr id="56" name="TextBox 55">
@@ -16002,6 +16006,7 @@
               </a:bodyPr>
               <a:lstStyle/>
               <a:p>
+                <a:pPr/>
                 <a14:m>
                   <m:oMathPara xmlns:m="http://schemas.openxmlformats.org/officeDocument/2006/math">
                     <m:oMathParaPr>
@@ -16041,7 +16046,7 @@
             </p:txBody>
           </p:sp>
         </mc:Choice>
-        <mc:Fallback>
+        <mc:Fallback xmlns="">
           <p:sp>
             <p:nvSpPr>
               <p:cNvPr id="56" name="TextBox 55">
@@ -16086,8 +16091,8 @@
           </p:sp>
         </mc:Fallback>
       </mc:AlternateContent>
-      <mc:AlternateContent xmlns:mc="http://schemas.openxmlformats.org/markup-compatibility/2006">
-        <mc:Choice xmlns:a14="http://schemas.microsoft.com/office/drawing/2010/main" Requires="a14">
+      <mc:AlternateContent xmlns:mc="http://schemas.openxmlformats.org/markup-compatibility/2006" xmlns:a14="http://schemas.microsoft.com/office/drawing/2010/main">
+        <mc:Choice Requires="a14">
           <p:sp>
             <p:nvSpPr>
               <p:cNvPr id="57" name="TextBox 56">
@@ -16116,6 +16121,7 @@
               </a:bodyPr>
               <a:lstStyle/>
               <a:p>
+                <a:pPr/>
                 <a14:m>
                   <m:oMathPara xmlns:m="http://schemas.openxmlformats.org/officeDocument/2006/math">
                     <m:oMathParaPr>
@@ -16155,7 +16161,7 @@
             </p:txBody>
           </p:sp>
         </mc:Choice>
-        <mc:Fallback>
+        <mc:Fallback xmlns="">
           <p:sp>
             <p:nvSpPr>
               <p:cNvPr id="57" name="TextBox 56">
@@ -16241,8 +16247,8 @@
           </a:fontRef>
         </p:style>
       </p:cxnSp>
-      <mc:AlternateContent xmlns:mc="http://schemas.openxmlformats.org/markup-compatibility/2006">
-        <mc:Choice xmlns:a14="http://schemas.microsoft.com/office/drawing/2010/main" Requires="a14">
+      <mc:AlternateContent xmlns:mc="http://schemas.openxmlformats.org/markup-compatibility/2006" xmlns:a14="http://schemas.microsoft.com/office/drawing/2010/main">
+        <mc:Choice Requires="a14">
           <p:sp>
             <p:nvSpPr>
               <p:cNvPr id="60" name="TextBox 59">
@@ -16271,6 +16277,7 @@
               </a:bodyPr>
               <a:lstStyle/>
               <a:p>
+                <a:pPr/>
                 <a14:m>
                   <m:oMathPara xmlns:m="http://schemas.openxmlformats.org/officeDocument/2006/math">
                     <m:oMathParaPr>
@@ -16310,7 +16317,7 @@
             </p:txBody>
           </p:sp>
         </mc:Choice>
-        <mc:Fallback>
+        <mc:Fallback xmlns="">
           <p:sp>
             <p:nvSpPr>
               <p:cNvPr id="60" name="TextBox 59">
@@ -16355,8 +16362,8 @@
           </p:sp>
         </mc:Fallback>
       </mc:AlternateContent>
-      <mc:AlternateContent xmlns:mc="http://schemas.openxmlformats.org/markup-compatibility/2006">
-        <mc:Choice xmlns:a14="http://schemas.microsoft.com/office/drawing/2010/main" Requires="a14">
+      <mc:AlternateContent xmlns:mc="http://schemas.openxmlformats.org/markup-compatibility/2006" xmlns:a14="http://schemas.microsoft.com/office/drawing/2010/main">
+        <mc:Choice Requires="a14">
           <p:sp>
             <p:nvSpPr>
               <p:cNvPr id="61" name="TextBox 60">
@@ -16385,6 +16392,7 @@
               </a:bodyPr>
               <a:lstStyle/>
               <a:p>
+                <a:pPr/>
                 <a14:m>
                   <m:oMathPara xmlns:m="http://schemas.openxmlformats.org/officeDocument/2006/math">
                     <m:oMathParaPr>
@@ -16424,7 +16432,7 @@
             </p:txBody>
           </p:sp>
         </mc:Choice>
-        <mc:Fallback>
+        <mc:Fallback xmlns="">
           <p:sp>
             <p:nvSpPr>
               <p:cNvPr id="61" name="TextBox 60">
@@ -16469,8 +16477,8 @@
           </p:sp>
         </mc:Fallback>
       </mc:AlternateContent>
-      <mc:AlternateContent xmlns:mc="http://schemas.openxmlformats.org/markup-compatibility/2006">
-        <mc:Choice xmlns:a14="http://schemas.microsoft.com/office/drawing/2010/main" Requires="a14">
+      <mc:AlternateContent xmlns:mc="http://schemas.openxmlformats.org/markup-compatibility/2006" xmlns:a14="http://schemas.microsoft.com/office/drawing/2010/main">
+        <mc:Choice Requires="a14">
           <p:sp>
             <p:nvSpPr>
               <p:cNvPr id="64" name="TextBox 63">
@@ -16499,6 +16507,7 @@
               </a:bodyPr>
               <a:lstStyle/>
               <a:p>
+                <a:pPr/>
                 <a14:m>
                   <m:oMathPara xmlns:m="http://schemas.openxmlformats.org/officeDocument/2006/math">
                     <m:oMathParaPr>
@@ -16538,7 +16547,7 @@
             </p:txBody>
           </p:sp>
         </mc:Choice>
-        <mc:Fallback>
+        <mc:Fallback xmlns="">
           <p:sp>
             <p:nvSpPr>
               <p:cNvPr id="64" name="TextBox 63">
@@ -16583,8 +16592,8 @@
           </p:sp>
         </mc:Fallback>
       </mc:AlternateContent>
-      <mc:AlternateContent xmlns:mc="http://schemas.openxmlformats.org/markup-compatibility/2006">
-        <mc:Choice xmlns:a14="http://schemas.microsoft.com/office/drawing/2010/main" Requires="a14">
+      <mc:AlternateContent xmlns:mc="http://schemas.openxmlformats.org/markup-compatibility/2006" xmlns:a14="http://schemas.microsoft.com/office/drawing/2010/main">
+        <mc:Choice Requires="a14">
           <p:sp>
             <p:nvSpPr>
               <p:cNvPr id="66" name="TextBox 65">
@@ -16613,6 +16622,7 @@
               </a:bodyPr>
               <a:lstStyle/>
               <a:p>
+                <a:pPr/>
                 <a14:m>
                   <m:oMathPara xmlns:m="http://schemas.openxmlformats.org/officeDocument/2006/math">
                     <m:oMathParaPr>
@@ -16652,7 +16662,7 @@
             </p:txBody>
           </p:sp>
         </mc:Choice>
-        <mc:Fallback>
+        <mc:Fallback xmlns="">
           <p:sp>
             <p:nvSpPr>
               <p:cNvPr id="66" name="TextBox 65">
@@ -16791,8 +16801,8 @@
           </a:p>
         </p:txBody>
       </p:sp>
-      <mc:AlternateContent xmlns:mc="http://schemas.openxmlformats.org/markup-compatibility/2006">
-        <mc:Choice xmlns:a14="http://schemas.microsoft.com/office/drawing/2010/main" Requires="a14">
+      <mc:AlternateContent xmlns:mc="http://schemas.openxmlformats.org/markup-compatibility/2006" xmlns:a14="http://schemas.microsoft.com/office/drawing/2010/main">
+        <mc:Choice Requires="a14">
           <p:sp>
             <p:nvSpPr>
               <p:cNvPr id="70" name="TextBox 69">
@@ -16821,6 +16831,7 @@
               </a:bodyPr>
               <a:lstStyle/>
               <a:p>
+                <a:pPr/>
                 <a14:m>
                   <m:oMathPara xmlns:m="http://schemas.openxmlformats.org/officeDocument/2006/math">
                     <m:oMathParaPr>
@@ -16860,7 +16871,7 @@
             </p:txBody>
           </p:sp>
         </mc:Choice>
-        <mc:Fallback>
+        <mc:Fallback xmlns="">
           <p:sp>
             <p:nvSpPr>
               <p:cNvPr id="70" name="TextBox 69">
@@ -16905,8 +16916,8 @@
           </p:sp>
         </mc:Fallback>
       </mc:AlternateContent>
-      <mc:AlternateContent xmlns:mc="http://schemas.openxmlformats.org/markup-compatibility/2006">
-        <mc:Choice xmlns:a14="http://schemas.microsoft.com/office/drawing/2010/main" Requires="a14">
+      <mc:AlternateContent xmlns:mc="http://schemas.openxmlformats.org/markup-compatibility/2006" xmlns:a14="http://schemas.microsoft.com/office/drawing/2010/main">
+        <mc:Choice Requires="a14">
           <p:sp>
             <p:nvSpPr>
               <p:cNvPr id="71" name="TextBox 70">
@@ -16935,6 +16946,7 @@
               </a:bodyPr>
               <a:lstStyle/>
               <a:p>
+                <a:pPr/>
                 <a14:m>
                   <m:oMathPara xmlns:m="http://schemas.openxmlformats.org/officeDocument/2006/math">
                     <m:oMathParaPr>
@@ -16974,7 +16986,7 @@
             </p:txBody>
           </p:sp>
         </mc:Choice>
-        <mc:Fallback>
+        <mc:Fallback xmlns="">
           <p:sp>
             <p:nvSpPr>
               <p:cNvPr id="71" name="TextBox 70">
@@ -17023,6 +17035,1285 @@
     <p:extLst>
       <p:ext uri="{BB962C8B-B14F-4D97-AF65-F5344CB8AC3E}">
         <p14:creationId xmlns:p14="http://schemas.microsoft.com/office/powerpoint/2010/main" val="2668059074"/>
+      </p:ext>
+    </p:extLst>
+  </p:cSld>
+  <p:clrMapOvr>
+    <a:masterClrMapping/>
+  </p:clrMapOvr>
+</p:sld>
+</file>
+
+<file path=ppt/slides/slide7.xml><?xml version="1.0" encoding="utf-8"?>
+<p:sld xmlns:a="http://schemas.openxmlformats.org/drawingml/2006/main" xmlns:r="http://schemas.openxmlformats.org/officeDocument/2006/relationships" xmlns:p="http://schemas.openxmlformats.org/presentationml/2006/main" showMasterSp="0">
+  <p:cSld>
+    <p:bg>
+      <p:bgPr>
+        <a:gradFill flip="none" rotWithShape="1">
+          <a:gsLst>
+            <a:gs pos="100000">
+              <a:schemeClr val="accent3">
+                <a:lumMod val="5000"/>
+                <a:lumOff val="95000"/>
+              </a:schemeClr>
+            </a:gs>
+            <a:gs pos="100000">
+              <a:schemeClr val="accent3">
+                <a:lumMod val="45000"/>
+                <a:lumOff val="55000"/>
+              </a:schemeClr>
+            </a:gs>
+            <a:gs pos="100000">
+              <a:schemeClr val="accent3">
+                <a:lumMod val="45000"/>
+                <a:lumOff val="55000"/>
+              </a:schemeClr>
+            </a:gs>
+            <a:gs pos="100000">
+              <a:schemeClr val="accent3">
+                <a:lumMod val="30000"/>
+                <a:lumOff val="70000"/>
+              </a:schemeClr>
+            </a:gs>
+          </a:gsLst>
+          <a:lin ang="5400000" scaled="1"/>
+          <a:tileRect/>
+        </a:gradFill>
+        <a:effectLst/>
+      </p:bgPr>
+    </p:bg>
+    <p:spTree>
+      <p:nvGrpSpPr>
+        <p:cNvPr id="1" name=""/>
+        <p:cNvGrpSpPr/>
+        <p:nvPr/>
+      </p:nvGrpSpPr>
+      <p:grpSpPr>
+        <a:xfrm>
+          <a:off x="0" y="0"/>
+          <a:ext cx="0" cy="0"/>
+          <a:chOff x="0" y="0"/>
+          <a:chExt cx="0" cy="0"/>
+        </a:xfrm>
+      </p:grpSpPr>
+      <p:cxnSp>
+        <p:nvCxnSpPr>
+          <p:cNvPr id="5" name="Straight Arrow Connector 4">
+            <a:extLst>
+              <a:ext uri="{FF2B5EF4-FFF2-40B4-BE49-F238E27FC236}">
+                <a16:creationId xmlns:a16="http://schemas.microsoft.com/office/drawing/2014/main" id="{7A463EED-A3F3-6548-9B7C-FB8729D9A721}"/>
+              </a:ext>
+            </a:extLst>
+          </p:cNvPr>
+          <p:cNvCxnSpPr>
+            <a:cxnSpLocks/>
+          </p:cNvCxnSpPr>
+          <p:nvPr/>
+        </p:nvCxnSpPr>
+        <p:spPr>
+          <a:xfrm flipV="1">
+            <a:off x="5367904" y="1723869"/>
+            <a:ext cx="16510" cy="4467070"/>
+          </a:xfrm>
+          <a:prstGeom prst="straightConnector1">
+            <a:avLst/>
+          </a:prstGeom>
+          <a:ln w="31750">
+            <a:prstDash val="lgDash"/>
+            <a:tailEnd type="triangle"/>
+          </a:ln>
+        </p:spPr>
+        <p:style>
+          <a:lnRef idx="1">
+            <a:schemeClr val="accent1"/>
+          </a:lnRef>
+          <a:fillRef idx="0">
+            <a:schemeClr val="accent1"/>
+          </a:fillRef>
+          <a:effectRef idx="0">
+            <a:schemeClr val="accent1"/>
+          </a:effectRef>
+          <a:fontRef idx="minor">
+            <a:schemeClr val="tx1"/>
+          </a:fontRef>
+        </p:style>
+      </p:cxnSp>
+      <p:cxnSp>
+        <p:nvCxnSpPr>
+          <p:cNvPr id="6" name="Straight Arrow Connector 5">
+            <a:extLst>
+              <a:ext uri="{FF2B5EF4-FFF2-40B4-BE49-F238E27FC236}">
+                <a16:creationId xmlns:a16="http://schemas.microsoft.com/office/drawing/2014/main" id="{CEE23922-52D4-0542-B48E-4465B37D61FB}"/>
+              </a:ext>
+            </a:extLst>
+          </p:cNvPr>
+          <p:cNvCxnSpPr>
+            <a:cxnSpLocks/>
+          </p:cNvCxnSpPr>
+          <p:nvPr/>
+        </p:nvCxnSpPr>
+        <p:spPr>
+          <a:xfrm>
+            <a:off x="3612630" y="4399614"/>
+            <a:ext cx="4460849" cy="0"/>
+          </a:xfrm>
+          <a:prstGeom prst="straightConnector1">
+            <a:avLst/>
+          </a:prstGeom>
+          <a:ln w="31750">
+            <a:prstDash val="lgDashDot"/>
+            <a:tailEnd type="triangle"/>
+          </a:ln>
+        </p:spPr>
+        <p:style>
+          <a:lnRef idx="1">
+            <a:schemeClr val="accent1"/>
+          </a:lnRef>
+          <a:fillRef idx="0">
+            <a:schemeClr val="accent1"/>
+          </a:fillRef>
+          <a:effectRef idx="0">
+            <a:schemeClr val="accent1"/>
+          </a:effectRef>
+          <a:fontRef idx="minor">
+            <a:schemeClr val="tx1"/>
+          </a:fontRef>
+        </p:style>
+      </p:cxnSp>
+      <p:sp>
+        <p:nvSpPr>
+          <p:cNvPr id="9" name="Oval 8">
+            <a:extLst>
+              <a:ext uri="{FF2B5EF4-FFF2-40B4-BE49-F238E27FC236}">
+                <a16:creationId xmlns:a16="http://schemas.microsoft.com/office/drawing/2014/main" id="{70F32EAA-C920-7341-8D84-CB9513CBBFA6}"/>
+              </a:ext>
+            </a:extLst>
+          </p:cNvPr>
+          <p:cNvSpPr/>
+          <p:nvPr/>
+        </p:nvSpPr>
+        <p:spPr>
+          <a:xfrm>
+            <a:off x="4778116" y="3809375"/>
+            <a:ext cx="1179576" cy="1180475"/>
+          </a:xfrm>
+          <a:prstGeom prst="ellipse">
+            <a:avLst/>
+          </a:prstGeom>
+          <a:solidFill>
+            <a:schemeClr val="bg1">
+              <a:alpha val="0"/>
+            </a:schemeClr>
+          </a:solidFill>
+        </p:spPr>
+        <p:style>
+          <a:lnRef idx="2">
+            <a:schemeClr val="accent1">
+              <a:shade val="50000"/>
+            </a:schemeClr>
+          </a:lnRef>
+          <a:fillRef idx="1">
+            <a:schemeClr val="accent1"/>
+          </a:fillRef>
+          <a:effectRef idx="0">
+            <a:schemeClr val="accent1"/>
+          </a:effectRef>
+          <a:fontRef idx="minor">
+            <a:schemeClr val="lt1"/>
+          </a:fontRef>
+        </p:style>
+        <p:txBody>
+          <a:bodyPr rtlCol="0" anchor="ctr"/>
+          <a:lstStyle/>
+          <a:p>
+            <a:pPr algn="ctr"/>
+            <a:endParaRPr lang="en-US"/>
+          </a:p>
+        </p:txBody>
+      </p:sp>
+      <p:sp>
+        <p:nvSpPr>
+          <p:cNvPr id="10" name="Oval 9">
+            <a:extLst>
+              <a:ext uri="{FF2B5EF4-FFF2-40B4-BE49-F238E27FC236}">
+                <a16:creationId xmlns:a16="http://schemas.microsoft.com/office/drawing/2014/main" id="{B104F990-4F3B-364C-B437-05667E8D6F7D}"/>
+              </a:ext>
+            </a:extLst>
+          </p:cNvPr>
+          <p:cNvSpPr/>
+          <p:nvPr/>
+        </p:nvSpPr>
+        <p:spPr>
+          <a:xfrm>
+            <a:off x="4238620" y="3269735"/>
+            <a:ext cx="2258568" cy="2259754"/>
+          </a:xfrm>
+          <a:prstGeom prst="ellipse">
+            <a:avLst/>
+          </a:prstGeom>
+          <a:solidFill>
+            <a:schemeClr val="bg1">
+              <a:alpha val="0"/>
+            </a:schemeClr>
+          </a:solidFill>
+        </p:spPr>
+        <p:style>
+          <a:lnRef idx="2">
+            <a:schemeClr val="accent1">
+              <a:shade val="50000"/>
+            </a:schemeClr>
+          </a:lnRef>
+          <a:fillRef idx="1">
+            <a:schemeClr val="accent1"/>
+          </a:fillRef>
+          <a:effectRef idx="0">
+            <a:schemeClr val="accent1"/>
+          </a:effectRef>
+          <a:fontRef idx="minor">
+            <a:schemeClr val="lt1"/>
+          </a:fontRef>
+        </p:style>
+        <p:txBody>
+          <a:bodyPr rtlCol="0" anchor="ctr"/>
+          <a:lstStyle/>
+          <a:p>
+            <a:pPr algn="ctr"/>
+            <a:endParaRPr lang="en-US" dirty="0"/>
+          </a:p>
+        </p:txBody>
+      </p:sp>
+      <p:sp>
+        <p:nvSpPr>
+          <p:cNvPr id="11" name="Oval 10">
+            <a:extLst>
+              <a:ext uri="{FF2B5EF4-FFF2-40B4-BE49-F238E27FC236}">
+                <a16:creationId xmlns:a16="http://schemas.microsoft.com/office/drawing/2014/main" id="{3F8D1DE2-6ED3-6243-B052-D4C217B13C6B}"/>
+              </a:ext>
+            </a:extLst>
+          </p:cNvPr>
+          <p:cNvSpPr/>
+          <p:nvPr/>
+        </p:nvSpPr>
+        <p:spPr>
+          <a:xfrm>
+            <a:off x="3781420" y="2813128"/>
+            <a:ext cx="3172968" cy="3172968"/>
+          </a:xfrm>
+          <a:prstGeom prst="ellipse">
+            <a:avLst/>
+          </a:prstGeom>
+          <a:solidFill>
+            <a:schemeClr val="bg1">
+              <a:alpha val="0"/>
+            </a:schemeClr>
+          </a:solidFill>
+        </p:spPr>
+        <p:style>
+          <a:lnRef idx="2">
+            <a:schemeClr val="accent1">
+              <a:shade val="50000"/>
+            </a:schemeClr>
+          </a:lnRef>
+          <a:fillRef idx="1">
+            <a:schemeClr val="accent1"/>
+          </a:fillRef>
+          <a:effectRef idx="0">
+            <a:schemeClr val="accent1"/>
+          </a:effectRef>
+          <a:fontRef idx="minor">
+            <a:schemeClr val="lt1"/>
+          </a:fontRef>
+        </p:style>
+        <p:txBody>
+          <a:bodyPr rtlCol="0" anchor="ctr"/>
+          <a:lstStyle/>
+          <a:p>
+            <a:pPr algn="ctr"/>
+            <a:endParaRPr lang="en-US" dirty="0"/>
+          </a:p>
+        </p:txBody>
+      </p:sp>
+      <p:sp>
+        <p:nvSpPr>
+          <p:cNvPr id="15" name="Rectangle 14">
+            <a:extLst>
+              <a:ext uri="{FF2B5EF4-FFF2-40B4-BE49-F238E27FC236}">
+                <a16:creationId xmlns:a16="http://schemas.microsoft.com/office/drawing/2014/main" id="{F496E2F5-9632-C74A-8D13-94DECAB6597B}"/>
+              </a:ext>
+            </a:extLst>
+          </p:cNvPr>
+          <p:cNvSpPr/>
+          <p:nvPr/>
+        </p:nvSpPr>
+        <p:spPr>
+          <a:xfrm>
+            <a:off x="5975531" y="3474616"/>
+            <a:ext cx="521658" cy="645216"/>
+          </a:xfrm>
+          <a:prstGeom prst="rect">
+            <a:avLst/>
+          </a:prstGeom>
+          <a:solidFill>
+            <a:schemeClr val="accent1">
+              <a:alpha val="42000"/>
+            </a:schemeClr>
+          </a:solidFill>
+          <a:ln w="28575"/>
+        </p:spPr>
+        <p:style>
+          <a:lnRef idx="2">
+            <a:schemeClr val="accent1">
+              <a:shade val="50000"/>
+            </a:schemeClr>
+          </a:lnRef>
+          <a:fillRef idx="1">
+            <a:schemeClr val="accent1"/>
+          </a:fillRef>
+          <a:effectRef idx="0">
+            <a:schemeClr val="accent1"/>
+          </a:effectRef>
+          <a:fontRef idx="minor">
+            <a:schemeClr val="lt1"/>
+          </a:fontRef>
+        </p:style>
+        <p:txBody>
+          <a:bodyPr rtlCol="0" anchor="ctr"/>
+          <a:lstStyle/>
+          <a:p>
+            <a:pPr algn="ctr"/>
+            <a:endParaRPr lang="en-US"/>
+          </a:p>
+        </p:txBody>
+      </p:sp>
+      <p:cxnSp>
+        <p:nvCxnSpPr>
+          <p:cNvPr id="17" name="Straight Connector 16">
+            <a:extLst>
+              <a:ext uri="{FF2B5EF4-FFF2-40B4-BE49-F238E27FC236}">
+                <a16:creationId xmlns:a16="http://schemas.microsoft.com/office/drawing/2014/main" id="{7F2B28C8-17D1-0346-8A36-4E994968323F}"/>
+              </a:ext>
+            </a:extLst>
+          </p:cNvPr>
+          <p:cNvCxnSpPr/>
+          <p:nvPr/>
+        </p:nvCxnSpPr>
+        <p:spPr>
+          <a:xfrm flipV="1">
+            <a:off x="5957692" y="2608287"/>
+            <a:ext cx="2281203" cy="883184"/>
+          </a:xfrm>
+          <a:prstGeom prst="line">
+            <a:avLst/>
+          </a:prstGeom>
+        </p:spPr>
+        <p:style>
+          <a:lnRef idx="1">
+            <a:schemeClr val="accent1"/>
+          </a:lnRef>
+          <a:fillRef idx="0">
+            <a:schemeClr val="accent1"/>
+          </a:fillRef>
+          <a:effectRef idx="0">
+            <a:schemeClr val="accent1"/>
+          </a:effectRef>
+          <a:fontRef idx="minor">
+            <a:schemeClr val="tx1"/>
+          </a:fontRef>
+        </p:style>
+      </p:cxnSp>
+      <p:cxnSp>
+        <p:nvCxnSpPr>
+          <p:cNvPr id="18" name="Straight Connector 17">
+            <a:extLst>
+              <a:ext uri="{FF2B5EF4-FFF2-40B4-BE49-F238E27FC236}">
+                <a16:creationId xmlns:a16="http://schemas.microsoft.com/office/drawing/2014/main" id="{A0229C89-03A1-6D46-96CF-E20454557A9F}"/>
+              </a:ext>
+            </a:extLst>
+          </p:cNvPr>
+          <p:cNvCxnSpPr>
+            <a:cxnSpLocks/>
+          </p:cNvCxnSpPr>
+          <p:nvPr/>
+        </p:nvCxnSpPr>
+        <p:spPr>
+          <a:xfrm flipV="1">
+            <a:off x="6482613" y="3238539"/>
+            <a:ext cx="2043684" cy="862978"/>
+          </a:xfrm>
+          <a:prstGeom prst="line">
+            <a:avLst/>
+          </a:prstGeom>
+        </p:spPr>
+        <p:style>
+          <a:lnRef idx="1">
+            <a:schemeClr val="accent1"/>
+          </a:lnRef>
+          <a:fillRef idx="0">
+            <a:schemeClr val="accent1"/>
+          </a:fillRef>
+          <a:effectRef idx="0">
+            <a:schemeClr val="accent1"/>
+          </a:effectRef>
+          <a:fontRef idx="minor">
+            <a:schemeClr val="tx1"/>
+          </a:fontRef>
+        </p:style>
+      </p:cxnSp>
+      <p:sp>
+        <p:nvSpPr>
+          <p:cNvPr id="25" name="Oval 24">
+            <a:extLst>
+              <a:ext uri="{FF2B5EF4-FFF2-40B4-BE49-F238E27FC236}">
+                <a16:creationId xmlns:a16="http://schemas.microsoft.com/office/drawing/2014/main" id="{DCF288AB-1CE0-2647-9B2C-A4CB95ED941A}"/>
+              </a:ext>
+            </a:extLst>
+          </p:cNvPr>
+          <p:cNvSpPr/>
+          <p:nvPr/>
+        </p:nvSpPr>
+        <p:spPr>
+          <a:xfrm>
+            <a:off x="8063735" y="2570160"/>
+            <a:ext cx="714656" cy="694323"/>
+          </a:xfrm>
+          <a:prstGeom prst="ellipse">
+            <a:avLst/>
+          </a:prstGeom>
+          <a:noFill/>
+        </p:spPr>
+        <p:style>
+          <a:lnRef idx="2">
+            <a:schemeClr val="accent1">
+              <a:shade val="50000"/>
+            </a:schemeClr>
+          </a:lnRef>
+          <a:fillRef idx="1">
+            <a:schemeClr val="accent1"/>
+          </a:fillRef>
+          <a:effectRef idx="0">
+            <a:schemeClr val="accent1"/>
+          </a:effectRef>
+          <a:fontRef idx="minor">
+            <a:schemeClr val="lt1"/>
+          </a:fontRef>
+        </p:style>
+        <p:txBody>
+          <a:bodyPr rtlCol="0" anchor="ctr"/>
+          <a:lstStyle/>
+          <a:p>
+            <a:pPr algn="ctr"/>
+            <a:endParaRPr lang="en-US"/>
+          </a:p>
+        </p:txBody>
+      </p:sp>
+      <p:sp>
+        <p:nvSpPr>
+          <p:cNvPr id="26" name="TextBox 25">
+            <a:extLst>
+              <a:ext uri="{FF2B5EF4-FFF2-40B4-BE49-F238E27FC236}">
+                <a16:creationId xmlns:a16="http://schemas.microsoft.com/office/drawing/2014/main" id="{3F30AFEA-AB8B-F748-B8FA-76A2FDD4D406}"/>
+              </a:ext>
+            </a:extLst>
+          </p:cNvPr>
+          <p:cNvSpPr txBox="1"/>
+          <p:nvPr/>
+        </p:nvSpPr>
+        <p:spPr>
+          <a:xfrm>
+            <a:off x="4923846" y="1214675"/>
+            <a:ext cx="888116" cy="461665"/>
+          </a:xfrm>
+          <a:prstGeom prst="rect">
+            <a:avLst/>
+          </a:prstGeom>
+          <a:noFill/>
+        </p:spPr>
+        <p:txBody>
+          <a:bodyPr wrap="square" rtlCol="0">
+            <a:spAutoFit/>
+          </a:bodyPr>
+          <a:lstStyle/>
+          <a:p>
+            <a:r>
+              <a:rPr lang="en-US" sz="2400" dirty="0">
+                <a:latin typeface="Arial" panose="020B0604020202020204" pitchFamily="34" charset="0"/>
+                <a:cs typeface="Arial" panose="020B0604020202020204" pitchFamily="34" charset="0"/>
+              </a:rPr>
+              <a:t>Axial</a:t>
+            </a:r>
+          </a:p>
+        </p:txBody>
+      </p:sp>
+      <p:sp>
+        <p:nvSpPr>
+          <p:cNvPr id="27" name="TextBox 26">
+            <a:extLst>
+              <a:ext uri="{FF2B5EF4-FFF2-40B4-BE49-F238E27FC236}">
+                <a16:creationId xmlns:a16="http://schemas.microsoft.com/office/drawing/2014/main" id="{7ECEB491-A65D-614C-9F9D-1A449817C779}"/>
+              </a:ext>
+            </a:extLst>
+          </p:cNvPr>
+          <p:cNvSpPr txBox="1"/>
+          <p:nvPr/>
+        </p:nvSpPr>
+        <p:spPr>
+          <a:xfrm>
+            <a:off x="8043350" y="4165147"/>
+            <a:ext cx="803425" cy="461665"/>
+          </a:xfrm>
+          <a:prstGeom prst="rect">
+            <a:avLst/>
+          </a:prstGeom>
+          <a:noFill/>
+        </p:spPr>
+        <p:txBody>
+          <a:bodyPr wrap="none" rtlCol="0">
+            <a:spAutoFit/>
+          </a:bodyPr>
+          <a:lstStyle/>
+          <a:p>
+            <a:r>
+              <a:rPr lang="en-US" sz="2400" dirty="0">
+                <a:latin typeface="Arial" panose="020B0604020202020204" pitchFamily="34" charset="0"/>
+                <a:cs typeface="Arial" panose="020B0604020202020204" pitchFamily="34" charset="0"/>
+              </a:rPr>
+              <a:t>Circ</a:t>
+            </a:r>
+            <a:r>
+              <a:rPr lang="en-US" sz="2000" dirty="0">
+                <a:latin typeface="Arial" panose="020B0604020202020204" pitchFamily="34" charset="0"/>
+                <a:cs typeface="Arial" panose="020B0604020202020204" pitchFamily="34" charset="0"/>
+              </a:rPr>
+              <a:t>.</a:t>
+            </a:r>
+          </a:p>
+        </p:txBody>
+      </p:sp>
+      <p:sp>
+        <p:nvSpPr>
+          <p:cNvPr id="28" name="TextBox 27">
+            <a:extLst>
+              <a:ext uri="{FF2B5EF4-FFF2-40B4-BE49-F238E27FC236}">
+                <a16:creationId xmlns:a16="http://schemas.microsoft.com/office/drawing/2014/main" id="{A4996DD8-D42E-B646-82BD-A5DECDA34FF7}"/>
+              </a:ext>
+            </a:extLst>
+          </p:cNvPr>
+          <p:cNvSpPr txBox="1"/>
+          <p:nvPr/>
+        </p:nvSpPr>
+        <p:spPr>
+          <a:xfrm>
+            <a:off x="8403411" y="2715620"/>
+            <a:ext cx="303103" cy="400110"/>
+          </a:xfrm>
+          <a:prstGeom prst="rect">
+            <a:avLst/>
+          </a:prstGeom>
+          <a:noFill/>
+        </p:spPr>
+        <p:txBody>
+          <a:bodyPr wrap="square" rtlCol="0">
+            <a:spAutoFit/>
+          </a:bodyPr>
+          <a:lstStyle/>
+          <a:p>
+            <a:r>
+              <a:rPr lang="en-US" sz="2000" dirty="0">
+                <a:latin typeface="Arial" panose="020B0604020202020204" pitchFamily="34" charset="0"/>
+                <a:cs typeface="Arial" panose="020B0604020202020204" pitchFamily="34" charset="0"/>
+              </a:rPr>
+              <a:t>M</a:t>
+            </a:r>
+          </a:p>
+        </p:txBody>
+      </p:sp>
+      <p:cxnSp>
+        <p:nvCxnSpPr>
+          <p:cNvPr id="31" name="Straight Connector 30">
+            <a:extLst>
+              <a:ext uri="{FF2B5EF4-FFF2-40B4-BE49-F238E27FC236}">
+                <a16:creationId xmlns:a16="http://schemas.microsoft.com/office/drawing/2014/main" id="{3F5F4FD6-B3AB-8B4D-8264-28AD5B469EE0}"/>
+              </a:ext>
+            </a:extLst>
+          </p:cNvPr>
+          <p:cNvCxnSpPr>
+            <a:cxnSpLocks/>
+          </p:cNvCxnSpPr>
+          <p:nvPr/>
+        </p:nvCxnSpPr>
+        <p:spPr>
+          <a:xfrm flipH="1" flipV="1">
+            <a:off x="8266977" y="2630601"/>
+            <a:ext cx="238388" cy="607938"/>
+          </a:xfrm>
+          <a:prstGeom prst="line">
+            <a:avLst/>
+          </a:prstGeom>
+          <a:ln w="31750">
+            <a:solidFill>
+              <a:srgbClr val="FF0000"/>
+            </a:solidFill>
+            <a:tailEnd type="triangle"/>
+          </a:ln>
+        </p:spPr>
+        <p:style>
+          <a:lnRef idx="1">
+            <a:schemeClr val="accent1"/>
+          </a:lnRef>
+          <a:fillRef idx="0">
+            <a:schemeClr val="accent1"/>
+          </a:fillRef>
+          <a:effectRef idx="0">
+            <a:schemeClr val="accent1"/>
+          </a:effectRef>
+          <a:fontRef idx="minor">
+            <a:schemeClr val="tx1"/>
+          </a:fontRef>
+        </p:style>
+      </p:cxnSp>
+      <p:sp>
+        <p:nvSpPr>
+          <p:cNvPr id="30" name="Connector: Curved 29">
+            <a:extLst>
+              <a:ext uri="{FF2B5EF4-FFF2-40B4-BE49-F238E27FC236}">
+                <a16:creationId xmlns:a16="http://schemas.microsoft.com/office/drawing/2014/main" id="{69E13EAE-172D-4B11-83CD-6778816809FC}"/>
+              </a:ext>
+            </a:extLst>
+          </p:cNvPr>
+          <p:cNvSpPr/>
+          <p:nvPr/>
+        </p:nvSpPr>
+        <p:spPr>
+          <a:xfrm rot="16200000" flipV="1">
+            <a:off x="5733664" y="2313740"/>
+            <a:ext cx="548640" cy="1280160"/>
+          </a:xfrm>
+          <a:prstGeom prst="curvedConnector2">
+            <a:avLst/>
+          </a:prstGeom>
+          <a:solidFill>
+            <a:srgbClr val="000000">
+              <a:alpha val="5000"/>
+            </a:srgbClr>
+          </a:solidFill>
+          <a:ln w="28575">
+            <a:solidFill>
+              <a:srgbClr val="000000"/>
+            </a:solidFill>
+            <a:tailEnd type="arrow"/>
+          </a:ln>
+        </p:spPr>
+        <p:style>
+          <a:lnRef idx="1">
+            <a:schemeClr val="accent1"/>
+          </a:lnRef>
+          <a:fillRef idx="0">
+            <a:schemeClr val="accent1"/>
+          </a:fillRef>
+          <a:effectRef idx="0">
+            <a:schemeClr val="accent1"/>
+          </a:effectRef>
+          <a:fontRef idx="minor">
+            <a:schemeClr val="tx1"/>
+          </a:fontRef>
+        </p:style>
+        <p:txBody>
+          <a:bodyPr wrap="none" rtlCol="0" anchor="ctr" anchorCtr="1"/>
+          <a:lstStyle/>
+          <a:p>
+            <a:endParaRPr lang="en-US">
+              <a:solidFill>
+                <a:srgbClr val="000000"/>
+              </a:solidFill>
+            </a:endParaRPr>
+          </a:p>
+        </p:txBody>
+      </p:sp>
+      <mc:AlternateContent xmlns:mc="http://schemas.openxmlformats.org/markup-compatibility/2006">
+        <mc:Choice xmlns:a14="http://schemas.microsoft.com/office/drawing/2010/main" Requires="a14">
+          <p:sp>
+            <p:nvSpPr>
+              <p:cNvPr id="54" name="TextBox 53">
+                <a:extLst>
+                  <a:ext uri="{FF2B5EF4-FFF2-40B4-BE49-F238E27FC236}">
+                    <a16:creationId xmlns:a16="http://schemas.microsoft.com/office/drawing/2014/main" id="{235C776C-B5EC-E94C-B4B5-13EBFAA0E78E}"/>
+                  </a:ext>
+                </a:extLst>
+              </p:cNvPr>
+              <p:cNvSpPr txBox="1"/>
+              <p:nvPr/>
+            </p:nvSpPr>
+            <p:spPr>
+              <a:xfrm>
+                <a:off x="5929610" y="2138158"/>
+                <a:ext cx="718454" cy="492443"/>
+              </a:xfrm>
+              <a:prstGeom prst="rect">
+                <a:avLst/>
+              </a:prstGeom>
+              <a:noFill/>
+            </p:spPr>
+            <p:txBody>
+              <a:bodyPr wrap="square" lIns="0" tIns="0" rIns="0" bIns="0" rtlCol="0">
+                <a:spAutoFit/>
+              </a:bodyPr>
+              <a:lstStyle/>
+              <a:p>
+                <a14:m>
+                  <m:oMathPara xmlns:m="http://schemas.openxmlformats.org/officeDocument/2006/math">
+                    <m:oMathParaPr>
+                      <m:jc m:val="centerGroup"/>
+                    </m:oMathParaPr>
+                    <m:oMath xmlns:m="http://schemas.openxmlformats.org/officeDocument/2006/math">
+                      <m:r>
+                        <a:rPr lang="en-US" sz="3200" i="1" smtClean="0">
+                          <a:latin typeface="Cambria Math" panose="02040503050406030204" pitchFamily="18" charset="0"/>
+                          <a:ea typeface="Cambria Math" panose="02040503050406030204" pitchFamily="18" charset="0"/>
+                        </a:rPr>
+                        <m:t>𝛾</m:t>
+                      </m:r>
+                    </m:oMath>
+                  </m:oMathPara>
+                </a14:m>
+                <a:endParaRPr lang="en-US" sz="3200" dirty="0"/>
+              </a:p>
+            </p:txBody>
+          </p:sp>
+        </mc:Choice>
+        <mc:Fallback>
+          <p:sp>
+            <p:nvSpPr>
+              <p:cNvPr id="54" name="TextBox 53">
+                <a:extLst>
+                  <a:ext uri="{FF2B5EF4-FFF2-40B4-BE49-F238E27FC236}">
+                    <a16:creationId xmlns:a16="http://schemas.microsoft.com/office/drawing/2014/main" id="{235C776C-B5EC-E94C-B4B5-13EBFAA0E78E}"/>
+                  </a:ext>
+                </a:extLst>
+              </p:cNvPr>
+              <p:cNvSpPr txBox="1">
+                <a:spLocks noRot="1" noChangeAspect="1" noMove="1" noResize="1" noEditPoints="1" noAdjustHandles="1" noChangeArrowheads="1" noChangeShapeType="1" noTextEdit="1"/>
+              </p:cNvSpPr>
+              <p:nvPr/>
+            </p:nvSpPr>
+            <p:spPr>
+              <a:xfrm>
+                <a:off x="5929610" y="2138158"/>
+                <a:ext cx="718454" cy="492443"/>
+              </a:xfrm>
+              <a:prstGeom prst="rect">
+                <a:avLst/>
+              </a:prstGeom>
+              <a:blipFill>
+                <a:blip r:embed="rId2"/>
+                <a:stretch>
+                  <a:fillRect b="-20513"/>
+                </a:stretch>
+              </a:blipFill>
+            </p:spPr>
+            <p:txBody>
+              <a:bodyPr/>
+              <a:lstStyle/>
+              <a:p>
+                <a:r>
+                  <a:rPr lang="en-US">
+                    <a:noFill/>
+                  </a:rPr>
+                  <a:t> </a:t>
+                </a:r>
+              </a:p>
+            </p:txBody>
+          </p:sp>
+        </mc:Fallback>
+      </mc:AlternateContent>
+    </p:spTree>
+    <p:extLst>
+      <p:ext uri="{BB962C8B-B14F-4D97-AF65-F5344CB8AC3E}">
+        <p14:creationId xmlns:p14="http://schemas.microsoft.com/office/powerpoint/2010/main" val="1701906139"/>
+      </p:ext>
+    </p:extLst>
+  </p:cSld>
+  <p:clrMapOvr>
+    <a:masterClrMapping/>
+  </p:clrMapOvr>
+</p:sld>
+</file>
+
+<file path=ppt/slides/slide8.xml><?xml version="1.0" encoding="utf-8"?>
+<p:sld xmlns:a="http://schemas.openxmlformats.org/drawingml/2006/main" xmlns:r="http://schemas.openxmlformats.org/officeDocument/2006/relationships" xmlns:p="http://schemas.openxmlformats.org/presentationml/2006/main">
+  <p:cSld>
+    <p:spTree>
+      <p:nvGrpSpPr>
+        <p:cNvPr id="1" name=""/>
+        <p:cNvGrpSpPr/>
+        <p:nvPr/>
+      </p:nvGrpSpPr>
+      <p:grpSpPr>
+        <a:xfrm>
+          <a:off x="0" y="0"/>
+          <a:ext cx="0" cy="0"/>
+          <a:chOff x="0" y="0"/>
+          <a:chExt cx="0" cy="0"/>
+        </a:xfrm>
+      </p:grpSpPr>
+      <p:pic>
+        <p:nvPicPr>
+          <p:cNvPr id="5" name="Content Placeholder 4">
+            <a:extLst>
+              <a:ext uri="{FF2B5EF4-FFF2-40B4-BE49-F238E27FC236}">
+                <a16:creationId xmlns:a16="http://schemas.microsoft.com/office/drawing/2014/main" id="{DC638F7B-0946-EA40-9BAE-D5730ABF5886}"/>
+              </a:ext>
+              <a:ext uri="{C183D7F6-B498-43B3-948B-1728B52AA6E4}">
+                <adec:decorative xmlns:adec="http://schemas.microsoft.com/office/drawing/2017/decorative" val="1"/>
+              </a:ext>
+            </a:extLst>
+          </p:cNvPr>
+          <p:cNvPicPr>
+            <a:picLocks noGrp="1" noChangeAspect="1"/>
+          </p:cNvPicPr>
+          <p:nvPr>
+            <p:ph idx="1"/>
+          </p:nvPr>
+        </p:nvPicPr>
+        <p:blipFill>
+          <a:blip r:embed="rId2"/>
+          <a:stretch>
+            <a:fillRect/>
+          </a:stretch>
+        </p:blipFill>
+        <p:spPr>
+          <a:xfrm>
+            <a:off x="3703608" y="1825625"/>
+            <a:ext cx="4776821" cy="4351338"/>
+          </a:xfrm>
+        </p:spPr>
+      </p:pic>
+      <p:cxnSp>
+        <p:nvCxnSpPr>
+          <p:cNvPr id="7" name="Straight Arrow Connector 6">
+            <a:extLst>
+              <a:ext uri="{FF2B5EF4-FFF2-40B4-BE49-F238E27FC236}">
+                <a16:creationId xmlns:a16="http://schemas.microsoft.com/office/drawing/2014/main" id="{B0A919EE-71FD-BB48-ACB1-5B895B3DA800}"/>
+              </a:ext>
+            </a:extLst>
+          </p:cNvPr>
+          <p:cNvCxnSpPr>
+            <a:cxnSpLocks/>
+          </p:cNvCxnSpPr>
+          <p:nvPr/>
+        </p:nvCxnSpPr>
+        <p:spPr>
+          <a:xfrm flipH="1" flipV="1">
+            <a:off x="5076669" y="2503359"/>
+            <a:ext cx="1015350" cy="1497935"/>
+          </a:xfrm>
+          <a:prstGeom prst="straightConnector1">
+            <a:avLst/>
+          </a:prstGeom>
+          <a:ln w="57150">
+            <a:solidFill>
+              <a:schemeClr val="accent2">
+                <a:lumMod val="75000"/>
+              </a:schemeClr>
+            </a:solidFill>
+            <a:tailEnd type="triangle"/>
+          </a:ln>
+          <a:effectLst>
+            <a:glow rad="25400">
+              <a:schemeClr val="accent1">
+                <a:alpha val="40000"/>
+              </a:schemeClr>
+            </a:glow>
+          </a:effectLst>
+          <a:scene3d>
+            <a:camera prst="orthographicFront"/>
+            <a:lightRig rig="threePt" dir="t"/>
+          </a:scene3d>
+          <a:sp3d extrusionH="95250">
+            <a:extrusionClr>
+              <a:schemeClr val="accent2">
+                <a:lumMod val="60000"/>
+                <a:lumOff val="40000"/>
+              </a:schemeClr>
+            </a:extrusionClr>
+          </a:sp3d>
+        </p:spPr>
+        <p:style>
+          <a:lnRef idx="1">
+            <a:schemeClr val="accent1"/>
+          </a:lnRef>
+          <a:fillRef idx="0">
+            <a:schemeClr val="accent1"/>
+          </a:fillRef>
+          <a:effectRef idx="0">
+            <a:schemeClr val="accent1"/>
+          </a:effectRef>
+          <a:fontRef idx="minor">
+            <a:schemeClr val="tx1"/>
+          </a:fontRef>
+        </p:style>
+      </p:cxnSp>
+      <p:cxnSp>
+        <p:nvCxnSpPr>
+          <p:cNvPr id="10" name="Straight Arrow Connector 9">
+            <a:extLst>
+              <a:ext uri="{FF2B5EF4-FFF2-40B4-BE49-F238E27FC236}">
+                <a16:creationId xmlns:a16="http://schemas.microsoft.com/office/drawing/2014/main" id="{9BE2141D-E7D8-4D44-AF74-6C2D16B058EA}"/>
+              </a:ext>
+            </a:extLst>
+          </p:cNvPr>
+          <p:cNvCxnSpPr>
+            <a:cxnSpLocks/>
+          </p:cNvCxnSpPr>
+          <p:nvPr/>
+        </p:nvCxnSpPr>
+        <p:spPr>
+          <a:xfrm flipV="1">
+            <a:off x="6092019" y="1993691"/>
+            <a:ext cx="368741" cy="2007603"/>
+          </a:xfrm>
+          <a:prstGeom prst="straightConnector1">
+            <a:avLst/>
+          </a:prstGeom>
+          <a:ln w="57150">
+            <a:solidFill>
+              <a:schemeClr val="accent2">
+                <a:lumMod val="75000"/>
+              </a:schemeClr>
+            </a:solidFill>
+            <a:tailEnd type="triangle"/>
+          </a:ln>
+          <a:effectLst>
+            <a:glow rad="25400">
+              <a:schemeClr val="accent1">
+                <a:alpha val="40000"/>
+              </a:schemeClr>
+            </a:glow>
+          </a:effectLst>
+          <a:scene3d>
+            <a:camera prst="orthographicFront"/>
+            <a:lightRig rig="threePt" dir="t"/>
+          </a:scene3d>
+          <a:sp3d extrusionH="95250">
+            <a:extrusionClr>
+              <a:schemeClr val="accent2">
+                <a:lumMod val="60000"/>
+                <a:lumOff val="40000"/>
+              </a:schemeClr>
+            </a:extrusionClr>
+          </a:sp3d>
+        </p:spPr>
+        <p:style>
+          <a:lnRef idx="1">
+            <a:schemeClr val="accent1"/>
+          </a:lnRef>
+          <a:fillRef idx="0">
+            <a:schemeClr val="accent1"/>
+          </a:fillRef>
+          <a:effectRef idx="0">
+            <a:schemeClr val="accent1"/>
+          </a:effectRef>
+          <a:fontRef idx="minor">
+            <a:schemeClr val="tx1"/>
+          </a:fontRef>
+        </p:style>
+      </p:cxnSp>
+      <mc:AlternateContent xmlns:mc="http://schemas.openxmlformats.org/markup-compatibility/2006">
+        <mc:Choice xmlns:a14="http://schemas.microsoft.com/office/drawing/2010/main" Requires="a14">
+          <p:sp>
+            <p:nvSpPr>
+              <p:cNvPr id="13" name="TextBox 12">
+                <a:extLst>
+                  <a:ext uri="{FF2B5EF4-FFF2-40B4-BE49-F238E27FC236}">
+                    <a16:creationId xmlns:a16="http://schemas.microsoft.com/office/drawing/2014/main" id="{D5CD3C1F-45F8-5049-9A0E-C72FFE01EAEE}"/>
+                  </a:ext>
+                </a:extLst>
+              </p:cNvPr>
+              <p:cNvSpPr txBox="1"/>
+              <p:nvPr/>
+            </p:nvSpPr>
+            <p:spPr>
+              <a:xfrm>
+                <a:off x="4799480" y="2888412"/>
+                <a:ext cx="480388" cy="492443"/>
+              </a:xfrm>
+              <a:prstGeom prst="rect">
+                <a:avLst/>
+              </a:prstGeom>
+              <a:gradFill>
+                <a:gsLst>
+                  <a:gs pos="0">
+                    <a:schemeClr val="accent4">
+                      <a:lumMod val="0"/>
+                      <a:lumOff val="100000"/>
+                    </a:schemeClr>
+                  </a:gs>
+                  <a:gs pos="55000">
+                    <a:schemeClr val="accent4">
+                      <a:lumMod val="0"/>
+                      <a:lumOff val="100000"/>
+                    </a:schemeClr>
+                  </a:gs>
+                  <a:gs pos="76000">
+                    <a:schemeClr val="accent4">
+                      <a:lumMod val="100000"/>
+                    </a:schemeClr>
+                  </a:gs>
+                </a:gsLst>
+                <a:path path="circle">
+                  <a:fillToRect l="50000" t="-80000" r="50000" b="180000"/>
+                </a:path>
+              </a:gradFill>
+            </p:spPr>
+            <p:txBody>
+              <a:bodyPr wrap="none" lIns="0" tIns="0" rIns="0" bIns="0" rtlCol="0">
+                <a:spAutoFit/>
+              </a:bodyPr>
+              <a:lstStyle/>
+              <a:p>
+                <a14:m>
+                  <m:oMathPara xmlns:m="http://schemas.openxmlformats.org/officeDocument/2006/math">
+                    <m:oMathParaPr>
+                      <m:jc m:val="centerGroup"/>
+                    </m:oMathParaPr>
+                    <m:oMath xmlns:m="http://schemas.openxmlformats.org/officeDocument/2006/math">
+                      <m:sSub>
+                        <m:sSubPr>
+                          <m:ctrlPr>
+                            <a:rPr lang="en-US" sz="3200" b="0" i="1" smtClean="0">
+                              <a:solidFill>
+                                <a:schemeClr val="tx1"/>
+                              </a:solidFill>
+                              <a:latin typeface="Cambria Math" panose="02040503050406030204" pitchFamily="18" charset="0"/>
+                            </a:rPr>
+                          </m:ctrlPr>
+                        </m:sSubPr>
+                        <m:e>
+                          <m:r>
+                            <a:rPr lang="en-US" sz="3200" b="0" i="1" smtClean="0">
+                              <a:solidFill>
+                                <a:schemeClr val="tx1"/>
+                              </a:solidFill>
+                              <a:latin typeface="Cambria Math" panose="02040503050406030204" pitchFamily="18" charset="0"/>
+                            </a:rPr>
+                            <m:t>𝑅</m:t>
+                          </m:r>
+                        </m:e>
+                        <m:sub>
+                          <m:r>
+                            <a:rPr lang="en-US" sz="3200" b="0" i="1" smtClean="0">
+                              <a:solidFill>
+                                <a:schemeClr val="tx1"/>
+                              </a:solidFill>
+                              <a:latin typeface="Cambria Math" panose="02040503050406030204" pitchFamily="18" charset="0"/>
+                            </a:rPr>
+                            <m:t>𝑖</m:t>
+                          </m:r>
+                        </m:sub>
+                      </m:sSub>
+                    </m:oMath>
+                  </m:oMathPara>
+                </a14:m>
+                <a:endParaRPr lang="en-US" sz="3200" b="0" dirty="0"/>
+              </a:p>
+            </p:txBody>
+          </p:sp>
+        </mc:Choice>
+        <mc:Fallback>
+          <p:sp>
+            <p:nvSpPr>
+              <p:cNvPr id="13" name="TextBox 12">
+                <a:extLst>
+                  <a:ext uri="{FF2B5EF4-FFF2-40B4-BE49-F238E27FC236}">
+                    <a16:creationId xmlns:a16="http://schemas.microsoft.com/office/drawing/2014/main" id="{D5CD3C1F-45F8-5049-9A0E-C72FFE01EAEE}"/>
+                  </a:ext>
+                </a:extLst>
+              </p:cNvPr>
+              <p:cNvSpPr txBox="1">
+                <a:spLocks noRot="1" noChangeAspect="1" noMove="1" noResize="1" noEditPoints="1" noAdjustHandles="1" noChangeArrowheads="1" noChangeShapeType="1" noTextEdit="1"/>
+              </p:cNvSpPr>
+              <p:nvPr/>
+            </p:nvSpPr>
+            <p:spPr>
+              <a:xfrm>
+                <a:off x="4799480" y="2888412"/>
+                <a:ext cx="480388" cy="492443"/>
+              </a:xfrm>
+              <a:prstGeom prst="rect">
+                <a:avLst/>
+              </a:prstGeom>
+              <a:blipFill>
+                <a:blip r:embed="rId3"/>
+                <a:stretch>
+                  <a:fillRect l="-15385" r="-5128" b="-17500"/>
+                </a:stretch>
+              </a:blipFill>
+            </p:spPr>
+            <p:txBody>
+              <a:bodyPr/>
+              <a:lstStyle/>
+              <a:p>
+                <a:r>
+                  <a:rPr lang="en-US">
+                    <a:noFill/>
+                  </a:rPr>
+                  <a:t> </a:t>
+                </a:r>
+              </a:p>
+            </p:txBody>
+          </p:sp>
+        </mc:Fallback>
+      </mc:AlternateContent>
+      <mc:AlternateContent xmlns:mc="http://schemas.openxmlformats.org/markup-compatibility/2006">
+        <mc:Choice xmlns:a14="http://schemas.microsoft.com/office/drawing/2010/main" Requires="a14">
+          <p:sp>
+            <p:nvSpPr>
+              <p:cNvPr id="14" name="TextBox 13">
+                <a:extLst>
+                  <a:ext uri="{FF2B5EF4-FFF2-40B4-BE49-F238E27FC236}">
+                    <a16:creationId xmlns:a16="http://schemas.microsoft.com/office/drawing/2014/main" id="{85AF91C4-7F9C-D44C-AA19-0A1E921C2301}"/>
+                  </a:ext>
+                </a:extLst>
+              </p:cNvPr>
+              <p:cNvSpPr txBox="1"/>
+              <p:nvPr/>
+            </p:nvSpPr>
+            <p:spPr>
+              <a:xfrm>
+                <a:off x="6460760" y="2257137"/>
+                <a:ext cx="368741" cy="492443"/>
+              </a:xfrm>
+              <a:prstGeom prst="rect">
+                <a:avLst/>
+              </a:prstGeom>
+              <a:gradFill flip="none" rotWithShape="1">
+                <a:gsLst>
+                  <a:gs pos="0">
+                    <a:schemeClr val="accent4">
+                      <a:lumMod val="0"/>
+                      <a:lumOff val="100000"/>
+                    </a:schemeClr>
+                  </a:gs>
+                  <a:gs pos="35000">
+                    <a:schemeClr val="accent4">
+                      <a:lumMod val="0"/>
+                      <a:lumOff val="100000"/>
+                    </a:schemeClr>
+                  </a:gs>
+                  <a:gs pos="100000">
+                    <a:schemeClr val="accent4">
+                      <a:lumMod val="100000"/>
+                    </a:schemeClr>
+                  </a:gs>
+                </a:gsLst>
+                <a:path path="circle">
+                  <a:fillToRect l="50000" t="-80000" r="50000" b="180000"/>
+                </a:path>
+                <a:tileRect/>
+              </a:gradFill>
+            </p:spPr>
+            <p:txBody>
+              <a:bodyPr wrap="square" lIns="0" tIns="0" rIns="0" bIns="0" rtlCol="0">
+                <a:spAutoFit/>
+              </a:bodyPr>
+              <a:lstStyle/>
+              <a:p>
+                <a14:m>
+                  <m:oMathPara xmlns:m="http://schemas.openxmlformats.org/officeDocument/2006/math">
+                    <m:oMathParaPr>
+                      <m:jc m:val="centerGroup"/>
+                    </m:oMathParaPr>
+                    <m:oMath xmlns:m="http://schemas.openxmlformats.org/officeDocument/2006/math">
+                      <m:sSub>
+                        <m:sSubPr>
+                          <m:ctrlPr>
+                            <a:rPr lang="en-US" sz="3200" b="0" i="1" smtClean="0">
+                              <a:solidFill>
+                                <a:schemeClr val="tx1"/>
+                              </a:solidFill>
+                              <a:latin typeface="Cambria Math" panose="02040503050406030204" pitchFamily="18" charset="0"/>
+                            </a:rPr>
+                          </m:ctrlPr>
+                        </m:sSubPr>
+                        <m:e>
+                          <m:r>
+                            <a:rPr lang="en-US" sz="3200" b="0" i="1" smtClean="0">
+                              <a:solidFill>
+                                <a:schemeClr val="tx1"/>
+                              </a:solidFill>
+                              <a:latin typeface="Cambria Math" panose="02040503050406030204" pitchFamily="18" charset="0"/>
+                            </a:rPr>
+                            <m:t>𝑅</m:t>
+                          </m:r>
+                        </m:e>
+                        <m:sub>
+                          <m:r>
+                            <a:rPr lang="en-US" sz="3200" b="0" i="1" smtClean="0">
+                              <a:solidFill>
+                                <a:schemeClr val="tx1"/>
+                              </a:solidFill>
+                              <a:latin typeface="Cambria Math" panose="02040503050406030204" pitchFamily="18" charset="0"/>
+                            </a:rPr>
+                            <m:t>∘</m:t>
+                          </m:r>
+                        </m:sub>
+                      </m:sSub>
+                    </m:oMath>
+                  </m:oMathPara>
+                </a14:m>
+                <a:endParaRPr lang="en-US" sz="3200" b="0" dirty="0"/>
+              </a:p>
+            </p:txBody>
+          </p:sp>
+        </mc:Choice>
+        <mc:Fallback>
+          <p:sp>
+            <p:nvSpPr>
+              <p:cNvPr id="14" name="TextBox 13">
+                <a:extLst>
+                  <a:ext uri="{FF2B5EF4-FFF2-40B4-BE49-F238E27FC236}">
+                    <a16:creationId xmlns:a16="http://schemas.microsoft.com/office/drawing/2014/main" id="{85AF91C4-7F9C-D44C-AA19-0A1E921C2301}"/>
+                  </a:ext>
+                </a:extLst>
+              </p:cNvPr>
+              <p:cNvSpPr txBox="1">
+                <a:spLocks noRot="1" noChangeAspect="1" noMove="1" noResize="1" noEditPoints="1" noAdjustHandles="1" noChangeArrowheads="1" noChangeShapeType="1" noTextEdit="1"/>
+              </p:cNvSpPr>
+              <p:nvPr/>
+            </p:nvSpPr>
+            <p:spPr>
+              <a:xfrm>
+                <a:off x="6460760" y="2257137"/>
+                <a:ext cx="368741" cy="492443"/>
+              </a:xfrm>
+              <a:prstGeom prst="rect">
+                <a:avLst/>
+              </a:prstGeom>
+              <a:blipFill>
+                <a:blip r:embed="rId4"/>
+                <a:stretch>
+                  <a:fillRect l="-36667" r="-20000" b="-5000"/>
+                </a:stretch>
+              </a:blipFill>
+            </p:spPr>
+            <p:txBody>
+              <a:bodyPr/>
+              <a:lstStyle/>
+              <a:p>
+                <a:r>
+                  <a:rPr lang="en-US">
+                    <a:noFill/>
+                  </a:rPr>
+                  <a:t> </a:t>
+                </a:r>
+              </a:p>
+            </p:txBody>
+          </p:sp>
+        </mc:Fallback>
+      </mc:AlternateContent>
+    </p:spTree>
+    <p:extLst>
+      <p:ext uri="{BB962C8B-B14F-4D97-AF65-F5344CB8AC3E}">
+        <p14:creationId xmlns:p14="http://schemas.microsoft.com/office/powerpoint/2010/main" val="1999228344"/>
       </p:ext>
     </p:extLst>
   </p:cSld>
